--- a/Diapositivas/Parte 05.Association Rules/05_02_Eclat.pptx
+++ b/Diapositivas/Parte 05.Association Rules/05_02_Eclat.pptx
@@ -5315,7 +5315,7 @@
           <a:p>
             <a:fld id="{6C73E373-4A5A-9F47-B78B-3F6D862D2DA4}" type="datetimeFigureOut">
               <a:rPr lang="es-CO" smtClean="0"/>
-              <a:t>28/06/2023</a:t>
+              <a:t>7/09/2023</a:t>
             </a:fld>
             <a:endParaRPr lang="es-CO"/>
           </a:p>
@@ -5605,7 +5605,7 @@
           <p:cNvPr id="7" name="Imagen 6">
             <a:extLst>
               <a:ext uri="{FF2B5EF4-FFF2-40B4-BE49-F238E27FC236}">
-                <a16:creationId xmlns="" xmlns:a16="http://schemas.microsoft.com/office/drawing/2014/main" id="{36B54177-B7DF-1DD9-8875-D4168F53E154}"/>
+                <a16:creationId xmlns:a16="http://schemas.microsoft.com/office/drawing/2014/main" xmlns="" id="{36B54177-B7DF-1DD9-8875-D4168F53E154}"/>
               </a:ext>
             </a:extLst>
           </p:cNvPr>
@@ -5635,7 +5635,7 @@
           <p:cNvPr id="2" name="Título 1">
             <a:extLst>
               <a:ext uri="{FF2B5EF4-FFF2-40B4-BE49-F238E27FC236}">
-                <a16:creationId xmlns="" xmlns:a16="http://schemas.microsoft.com/office/drawing/2014/main" id="{3029E411-989D-8CFA-0371-904E9B56BB90}"/>
+                <a16:creationId xmlns:a16="http://schemas.microsoft.com/office/drawing/2014/main" xmlns="" id="{3029E411-989D-8CFA-0371-904E9B56BB90}"/>
               </a:ext>
             </a:extLst>
           </p:cNvPr>
@@ -5676,7 +5676,7 @@
           <p:cNvPr id="3" name="Subtítulo 2">
             <a:extLst>
               <a:ext uri="{FF2B5EF4-FFF2-40B4-BE49-F238E27FC236}">
-                <a16:creationId xmlns="" xmlns:a16="http://schemas.microsoft.com/office/drawing/2014/main" id="{68801E2D-CF21-2ADE-8396-CC12B5A246AC}"/>
+                <a16:creationId xmlns:a16="http://schemas.microsoft.com/office/drawing/2014/main" xmlns="" id="{68801E2D-CF21-2ADE-8396-CC12B5A246AC}"/>
               </a:ext>
             </a:extLst>
           </p:cNvPr>
@@ -5750,7 +5750,7 @@
           <p:cNvPr id="4" name="Marcador de fecha 3">
             <a:extLst>
               <a:ext uri="{FF2B5EF4-FFF2-40B4-BE49-F238E27FC236}">
-                <a16:creationId xmlns="" xmlns:a16="http://schemas.microsoft.com/office/drawing/2014/main" id="{C7D9C27E-71A0-A8E6-7D94-D52F81CE5F69}"/>
+                <a16:creationId xmlns:a16="http://schemas.microsoft.com/office/drawing/2014/main" xmlns="" id="{C7D9C27E-71A0-A8E6-7D94-D52F81CE5F69}"/>
               </a:ext>
             </a:extLst>
           </p:cNvPr>
@@ -5777,7 +5777,7 @@
             <a:fld id="{4ED1245C-EDA9-0F49-9277-480AED948C75}" type="datetimeFigureOut">
               <a:rPr lang="es-MX" smtClean="0"/>
               <a:pPr/>
-              <a:t>28/06/2023</a:t>
+              <a:t>07/09/2023</a:t>
             </a:fld>
             <a:endParaRPr lang="es-MX"/>
           </a:p>
@@ -5788,7 +5788,7 @@
           <p:cNvPr id="5" name="Marcador de pie de página 4">
             <a:extLst>
               <a:ext uri="{FF2B5EF4-FFF2-40B4-BE49-F238E27FC236}">
-                <a16:creationId xmlns="" xmlns:a16="http://schemas.microsoft.com/office/drawing/2014/main" id="{4C83CED7-3270-999D-99EC-4B2B5F4289C9}"/>
+                <a16:creationId xmlns:a16="http://schemas.microsoft.com/office/drawing/2014/main" xmlns="" id="{4C83CED7-3270-999D-99EC-4B2B5F4289C9}"/>
               </a:ext>
             </a:extLst>
           </p:cNvPr>
@@ -5821,7 +5821,7 @@
           <p:cNvPr id="6" name="Marcador de número de diapositiva 5">
             <a:extLst>
               <a:ext uri="{FF2B5EF4-FFF2-40B4-BE49-F238E27FC236}">
-                <a16:creationId xmlns="" xmlns:a16="http://schemas.microsoft.com/office/drawing/2014/main" id="{0DC7CE21-D4CA-6449-E0EA-746968CC779A}"/>
+                <a16:creationId xmlns:a16="http://schemas.microsoft.com/office/drawing/2014/main" xmlns="" id="{0DC7CE21-D4CA-6449-E0EA-746968CC779A}"/>
               </a:ext>
             </a:extLst>
           </p:cNvPr>
@@ -5889,7 +5889,7 @@
           <p:cNvPr id="2" name="Título 1">
             <a:extLst>
               <a:ext uri="{FF2B5EF4-FFF2-40B4-BE49-F238E27FC236}">
-                <a16:creationId xmlns="" xmlns:a16="http://schemas.microsoft.com/office/drawing/2014/main" id="{C4018A1D-A95A-249C-60D7-BFEC9560650F}"/>
+                <a16:creationId xmlns:a16="http://schemas.microsoft.com/office/drawing/2014/main" xmlns="" id="{C4018A1D-A95A-249C-60D7-BFEC9560650F}"/>
               </a:ext>
             </a:extLst>
           </p:cNvPr>
@@ -5926,7 +5926,7 @@
           <p:cNvPr id="3" name="Marcador de texto 2">
             <a:extLst>
               <a:ext uri="{FF2B5EF4-FFF2-40B4-BE49-F238E27FC236}">
-                <a16:creationId xmlns="" xmlns:a16="http://schemas.microsoft.com/office/drawing/2014/main" id="{7DA112BB-1B55-D3DA-D7D7-35DE1AC52464}"/>
+                <a16:creationId xmlns:a16="http://schemas.microsoft.com/office/drawing/2014/main" xmlns="" id="{7DA112BB-1B55-D3DA-D7D7-35DE1AC52464}"/>
               </a:ext>
             </a:extLst>
           </p:cNvPr>
@@ -6051,7 +6051,7 @@
           <p:cNvPr id="4" name="Marcador de fecha 3">
             <a:extLst>
               <a:ext uri="{FF2B5EF4-FFF2-40B4-BE49-F238E27FC236}">
-                <a16:creationId xmlns="" xmlns:a16="http://schemas.microsoft.com/office/drawing/2014/main" id="{E844E3D2-E945-19C6-68D7-AA7AC54FF7A6}"/>
+                <a16:creationId xmlns:a16="http://schemas.microsoft.com/office/drawing/2014/main" xmlns="" id="{E844E3D2-E945-19C6-68D7-AA7AC54FF7A6}"/>
               </a:ext>
             </a:extLst>
           </p:cNvPr>
@@ -6069,7 +6069,7 @@
           <a:p>
             <a:fld id="{4ED1245C-EDA9-0F49-9277-480AED948C75}" type="datetimeFigureOut">
               <a:rPr lang="es-MX" smtClean="0"/>
-              <a:t>28/06/2023</a:t>
+              <a:t>07/09/2023</a:t>
             </a:fld>
             <a:endParaRPr lang="es-MX"/>
           </a:p>
@@ -6080,7 +6080,7 @@
           <p:cNvPr id="5" name="Marcador de pie de página 4">
             <a:extLst>
               <a:ext uri="{FF2B5EF4-FFF2-40B4-BE49-F238E27FC236}">
-                <a16:creationId xmlns="" xmlns:a16="http://schemas.microsoft.com/office/drawing/2014/main" id="{56FC48AC-4463-729E-ABA1-FB3D3EFA26E7}"/>
+                <a16:creationId xmlns:a16="http://schemas.microsoft.com/office/drawing/2014/main" xmlns="" id="{56FC48AC-4463-729E-ABA1-FB3D3EFA26E7}"/>
               </a:ext>
             </a:extLst>
           </p:cNvPr>
@@ -6105,7 +6105,7 @@
           <p:cNvPr id="6" name="Marcador de número de diapositiva 5">
             <a:extLst>
               <a:ext uri="{FF2B5EF4-FFF2-40B4-BE49-F238E27FC236}">
-                <a16:creationId xmlns="" xmlns:a16="http://schemas.microsoft.com/office/drawing/2014/main" id="{7FB46B77-03B3-EF69-5002-A7FF12752807}"/>
+                <a16:creationId xmlns:a16="http://schemas.microsoft.com/office/drawing/2014/main" xmlns="" id="{7FB46B77-03B3-EF69-5002-A7FF12752807}"/>
               </a:ext>
             </a:extLst>
           </p:cNvPr>
@@ -6164,7 +6164,7 @@
           <p:cNvPr id="8" name="Imagen 7">
             <a:extLst>
               <a:ext uri="{FF2B5EF4-FFF2-40B4-BE49-F238E27FC236}">
-                <a16:creationId xmlns="" xmlns:a16="http://schemas.microsoft.com/office/drawing/2014/main" id="{FDAF5A4A-1B68-98B0-A191-8BD2A6F09150}"/>
+                <a16:creationId xmlns:a16="http://schemas.microsoft.com/office/drawing/2014/main" xmlns="" id="{FDAF5A4A-1B68-98B0-A191-8BD2A6F09150}"/>
               </a:ext>
             </a:extLst>
           </p:cNvPr>
@@ -6205,7 +6205,7 @@
           <a:p>
             <a:fld id="{8B636DD7-9EC0-2343-87F4-811CC24B63A7}" type="datetimeFigureOut">
               <a:rPr lang="es-MX" smtClean="0"/>
-              <a:t>28/06/2023</a:t>
+              <a:t>07/09/2023</a:t>
             </a:fld>
             <a:endParaRPr lang="es-MX"/>
           </a:p>
@@ -6264,7 +6264,7 @@
     <a:masterClrMapping/>
   </p:clrMapOvr>
   <mc:AlternateContent xmlns:mc="http://schemas.openxmlformats.org/markup-compatibility/2006">
-    <mc:Choice xmlns="" xmlns:p159="http://schemas.microsoft.com/office/powerpoint/2015/09/main" Requires="p159">
+    <mc:Choice xmlns:p159="http://schemas.microsoft.com/office/powerpoint/2015/09/main" xmlns="" Requires="p159">
       <p:transition xmlns:p14="http://schemas.microsoft.com/office/powerpoint/2010/main" spd="slow" p14:dur="2000">
         <p159:morph option="byObject"/>
       </p:transition>
@@ -6300,7 +6300,7 @@
           <p:cNvPr id="7" name="Imagen 6">
             <a:extLst>
               <a:ext uri="{FF2B5EF4-FFF2-40B4-BE49-F238E27FC236}">
-                <a16:creationId xmlns="" xmlns:a16="http://schemas.microsoft.com/office/drawing/2014/main" id="{66AD6CAE-8F01-422E-B0BA-3045B167AEAF}"/>
+                <a16:creationId xmlns:a16="http://schemas.microsoft.com/office/drawing/2014/main" xmlns="" id="{66AD6CAE-8F01-422E-B0BA-3045B167AEAF}"/>
               </a:ext>
             </a:extLst>
           </p:cNvPr>
@@ -6435,7 +6435,7 @@
           <a:p>
             <a:fld id="{8B636DD7-9EC0-2343-87F4-811CC24B63A7}" type="datetimeFigureOut">
               <a:rPr lang="es-MX" smtClean="0"/>
-              <a:t>28/06/2023</a:t>
+              <a:t>07/09/2023</a:t>
             </a:fld>
             <a:endParaRPr lang="es-MX"/>
           </a:p>
@@ -6488,7 +6488,7 @@
           <p:cNvPr id="10" name="Imagen 9">
             <a:extLst>
               <a:ext uri="{FF2B5EF4-FFF2-40B4-BE49-F238E27FC236}">
-                <a16:creationId xmlns="" xmlns:a16="http://schemas.microsoft.com/office/drawing/2014/main" id="{11028E90-7017-3801-0152-2A4D9D428AAF}"/>
+                <a16:creationId xmlns:a16="http://schemas.microsoft.com/office/drawing/2014/main" xmlns="" id="{11028E90-7017-3801-0152-2A4D9D428AAF}"/>
               </a:ext>
             </a:extLst>
           </p:cNvPr>
@@ -6523,7 +6523,7 @@
     <a:masterClrMapping/>
   </p:clrMapOvr>
   <mc:AlternateContent xmlns:mc="http://schemas.openxmlformats.org/markup-compatibility/2006">
-    <mc:Choice xmlns="" xmlns:p159="http://schemas.microsoft.com/office/powerpoint/2015/09/main" Requires="p159">
+    <mc:Choice xmlns:p159="http://schemas.microsoft.com/office/powerpoint/2015/09/main" xmlns="" Requires="p159">
       <p:transition xmlns:p14="http://schemas.microsoft.com/office/powerpoint/2010/main" spd="slow" p14:dur="2000">
         <p159:morph option="byObject"/>
       </p:transition>
@@ -6571,7 +6571,7 @@
           <a:p>
             <a:fld id="{8B636DD7-9EC0-2343-87F4-811CC24B63A7}" type="datetimeFigureOut">
               <a:rPr lang="es-MX" smtClean="0"/>
-              <a:t>28/06/2023</a:t>
+              <a:t>07/09/2023</a:t>
             </a:fld>
             <a:endParaRPr lang="es-MX"/>
           </a:p>
@@ -6624,7 +6624,7 @@
           <p:cNvPr id="10" name="Imagen 9">
             <a:extLst>
               <a:ext uri="{FF2B5EF4-FFF2-40B4-BE49-F238E27FC236}">
-                <a16:creationId xmlns="" xmlns:a16="http://schemas.microsoft.com/office/drawing/2014/main" id="{B4AC21E6-3AB4-AA3E-EED5-BEA73B4160C8}"/>
+                <a16:creationId xmlns:a16="http://schemas.microsoft.com/office/drawing/2014/main" xmlns="" id="{B4AC21E6-3AB4-AA3E-EED5-BEA73B4160C8}"/>
               </a:ext>
             </a:extLst>
           </p:cNvPr>
@@ -6653,7 +6653,7 @@
           <p:cNvPr id="5" name="Título 1">
             <a:extLst>
               <a:ext uri="{FF2B5EF4-FFF2-40B4-BE49-F238E27FC236}">
-                <a16:creationId xmlns="" xmlns:a16="http://schemas.microsoft.com/office/drawing/2014/main" id="{74D66EB4-E928-04A5-17AC-B4C4FAF01B68}"/>
+                <a16:creationId xmlns:a16="http://schemas.microsoft.com/office/drawing/2014/main" xmlns="" id="{74D66EB4-E928-04A5-17AC-B4C4FAF01B68}"/>
               </a:ext>
             </a:extLst>
           </p:cNvPr>
@@ -6696,7 +6696,7 @@
     <a:masterClrMapping/>
   </p:clrMapOvr>
   <mc:AlternateContent xmlns:mc="http://schemas.openxmlformats.org/markup-compatibility/2006">
-    <mc:Choice xmlns="" xmlns:p159="http://schemas.microsoft.com/office/powerpoint/2015/09/main" Requires="p159">
+    <mc:Choice xmlns:p159="http://schemas.microsoft.com/office/powerpoint/2015/09/main" xmlns="" Requires="p159">
       <p:transition xmlns:p14="http://schemas.microsoft.com/office/powerpoint/2010/main" spd="slow" p14:dur="2000">
         <p159:morph option="byObject"/>
       </p:transition>
@@ -6744,7 +6744,7 @@
           <a:p>
             <a:fld id="{8B636DD7-9EC0-2343-87F4-811CC24B63A7}" type="datetimeFigureOut">
               <a:rPr lang="es-MX" smtClean="0"/>
-              <a:t>28/06/2023</a:t>
+              <a:t>07/09/2023</a:t>
             </a:fld>
             <a:endParaRPr lang="es-MX"/>
           </a:p>
@@ -6797,7 +6797,7 @@
           <p:cNvPr id="5" name="Imagen 4">
             <a:extLst>
               <a:ext uri="{FF2B5EF4-FFF2-40B4-BE49-F238E27FC236}">
-                <a16:creationId xmlns="" xmlns:a16="http://schemas.microsoft.com/office/drawing/2014/main" id="{CFD1EF8D-21B9-3C6D-CAEB-887F2C4B10FA}"/>
+                <a16:creationId xmlns:a16="http://schemas.microsoft.com/office/drawing/2014/main" xmlns="" id="{CFD1EF8D-21B9-3C6D-CAEB-887F2C4B10FA}"/>
               </a:ext>
             </a:extLst>
           </p:cNvPr>
@@ -6826,7 +6826,7 @@
           <p:cNvPr id="6" name="Título 1">
             <a:extLst>
               <a:ext uri="{FF2B5EF4-FFF2-40B4-BE49-F238E27FC236}">
-                <a16:creationId xmlns="" xmlns:a16="http://schemas.microsoft.com/office/drawing/2014/main" id="{BDA5DC36-6B14-E774-2FD3-FD49BCF6F742}"/>
+                <a16:creationId xmlns:a16="http://schemas.microsoft.com/office/drawing/2014/main" xmlns="" id="{BDA5DC36-6B14-E774-2FD3-FD49BCF6F742}"/>
               </a:ext>
             </a:extLst>
           </p:cNvPr>
@@ -6873,7 +6873,7 @@
     <a:masterClrMapping/>
   </p:clrMapOvr>
   <mc:AlternateContent xmlns:mc="http://schemas.openxmlformats.org/markup-compatibility/2006">
-    <mc:Choice xmlns="" xmlns:p159="http://schemas.microsoft.com/office/powerpoint/2015/09/main" Requires="p159">
+    <mc:Choice xmlns:p159="http://schemas.microsoft.com/office/powerpoint/2015/09/main" xmlns="" Requires="p159">
       <p:transition xmlns:p14="http://schemas.microsoft.com/office/powerpoint/2010/main" spd="slow" p14:dur="2000">
         <p159:morph option="byObject"/>
       </p:transition>
@@ -6909,7 +6909,7 @@
           <p:cNvPr id="7" name="Imagen 6">
             <a:extLst>
               <a:ext uri="{FF2B5EF4-FFF2-40B4-BE49-F238E27FC236}">
-                <a16:creationId xmlns="" xmlns:a16="http://schemas.microsoft.com/office/drawing/2014/main" id="{7E36882C-E608-66B8-8A42-26DD6B67138C}"/>
+                <a16:creationId xmlns:a16="http://schemas.microsoft.com/office/drawing/2014/main" xmlns="" id="{7E36882C-E608-66B8-8A42-26DD6B67138C}"/>
               </a:ext>
             </a:extLst>
           </p:cNvPr>
@@ -6939,7 +6939,7 @@
           <p:cNvPr id="2" name="Título 1">
             <a:extLst>
               <a:ext uri="{FF2B5EF4-FFF2-40B4-BE49-F238E27FC236}">
-                <a16:creationId xmlns="" xmlns:a16="http://schemas.microsoft.com/office/drawing/2014/main" id="{A319E2F3-3E92-F0B7-289B-ECE5123D9814}"/>
+                <a16:creationId xmlns:a16="http://schemas.microsoft.com/office/drawing/2014/main" xmlns="" id="{A319E2F3-3E92-F0B7-289B-ECE5123D9814}"/>
               </a:ext>
             </a:extLst>
           </p:cNvPr>
@@ -6975,7 +6975,7 @@
           <p:cNvPr id="3" name="Marcador de contenido 2">
             <a:extLst>
               <a:ext uri="{FF2B5EF4-FFF2-40B4-BE49-F238E27FC236}">
-                <a16:creationId xmlns="" xmlns:a16="http://schemas.microsoft.com/office/drawing/2014/main" id="{917E9B9D-3312-7614-E939-8BBA89447845}"/>
+                <a16:creationId xmlns:a16="http://schemas.microsoft.com/office/drawing/2014/main" xmlns="" id="{917E9B9D-3312-7614-E939-8BBA89447845}"/>
               </a:ext>
             </a:extLst>
           </p:cNvPr>
@@ -7032,7 +7032,7 @@
           <p:cNvPr id="4" name="Marcador de fecha 3">
             <a:extLst>
               <a:ext uri="{FF2B5EF4-FFF2-40B4-BE49-F238E27FC236}">
-                <a16:creationId xmlns="" xmlns:a16="http://schemas.microsoft.com/office/drawing/2014/main" id="{9561BD46-81DF-C525-880C-B60F549977C9}"/>
+                <a16:creationId xmlns:a16="http://schemas.microsoft.com/office/drawing/2014/main" xmlns="" id="{9561BD46-81DF-C525-880C-B60F549977C9}"/>
               </a:ext>
             </a:extLst>
           </p:cNvPr>
@@ -7050,7 +7050,7 @@
           <a:p>
             <a:fld id="{4ED1245C-EDA9-0F49-9277-480AED948C75}" type="datetimeFigureOut">
               <a:rPr lang="es-MX" smtClean="0"/>
-              <a:t>28/06/2023</a:t>
+              <a:t>07/09/2023</a:t>
             </a:fld>
             <a:endParaRPr lang="es-MX"/>
           </a:p>
@@ -7061,7 +7061,7 @@
           <p:cNvPr id="5" name="Marcador de pie de página 4">
             <a:extLst>
               <a:ext uri="{FF2B5EF4-FFF2-40B4-BE49-F238E27FC236}">
-                <a16:creationId xmlns="" xmlns:a16="http://schemas.microsoft.com/office/drawing/2014/main" id="{B48141E5-38F4-5870-C465-013B716EE584}"/>
+                <a16:creationId xmlns:a16="http://schemas.microsoft.com/office/drawing/2014/main" xmlns="" id="{B48141E5-38F4-5870-C465-013B716EE584}"/>
               </a:ext>
             </a:extLst>
           </p:cNvPr>
@@ -7086,7 +7086,7 @@
           <p:cNvPr id="6" name="Marcador de número de diapositiva 5">
             <a:extLst>
               <a:ext uri="{FF2B5EF4-FFF2-40B4-BE49-F238E27FC236}">
-                <a16:creationId xmlns="" xmlns:a16="http://schemas.microsoft.com/office/drawing/2014/main" id="{6D3EFEE5-200A-753E-B6FD-9311CB9BAAFF}"/>
+                <a16:creationId xmlns:a16="http://schemas.microsoft.com/office/drawing/2014/main" xmlns="" id="{6D3EFEE5-200A-753E-B6FD-9311CB9BAAFF}"/>
               </a:ext>
             </a:extLst>
           </p:cNvPr>
@@ -7145,7 +7145,7 @@
           <p:cNvPr id="6" name="Imagen 5">
             <a:extLst>
               <a:ext uri="{FF2B5EF4-FFF2-40B4-BE49-F238E27FC236}">
-                <a16:creationId xmlns="" xmlns:a16="http://schemas.microsoft.com/office/drawing/2014/main" id="{85B76E4B-994E-FE80-0264-CD7AEB4265E3}"/>
+                <a16:creationId xmlns:a16="http://schemas.microsoft.com/office/drawing/2014/main" xmlns="" id="{85B76E4B-994E-FE80-0264-CD7AEB4265E3}"/>
               </a:ext>
             </a:extLst>
           </p:cNvPr>
@@ -7175,7 +7175,7 @@
           <p:cNvPr id="2" name="Título 1">
             <a:extLst>
               <a:ext uri="{FF2B5EF4-FFF2-40B4-BE49-F238E27FC236}">
-                <a16:creationId xmlns="" xmlns:a16="http://schemas.microsoft.com/office/drawing/2014/main" id="{F58AE75E-BF38-0C63-F39F-95D19FDCC331}"/>
+                <a16:creationId xmlns:a16="http://schemas.microsoft.com/office/drawing/2014/main" xmlns="" id="{F58AE75E-BF38-0C63-F39F-95D19FDCC331}"/>
               </a:ext>
             </a:extLst>
           </p:cNvPr>
@@ -7207,7 +7207,7 @@
           <p:cNvPr id="3" name="Marcador de fecha 2">
             <a:extLst>
               <a:ext uri="{FF2B5EF4-FFF2-40B4-BE49-F238E27FC236}">
-                <a16:creationId xmlns="" xmlns:a16="http://schemas.microsoft.com/office/drawing/2014/main" id="{C0849DC6-910E-1212-87E9-5D91EDF04321}"/>
+                <a16:creationId xmlns:a16="http://schemas.microsoft.com/office/drawing/2014/main" xmlns="" id="{C0849DC6-910E-1212-87E9-5D91EDF04321}"/>
               </a:ext>
             </a:extLst>
           </p:cNvPr>
@@ -7225,7 +7225,7 @@
           <a:p>
             <a:fld id="{4ED1245C-EDA9-0F49-9277-480AED948C75}" type="datetimeFigureOut">
               <a:rPr lang="es-MX" smtClean="0"/>
-              <a:t>28/06/2023</a:t>
+              <a:t>07/09/2023</a:t>
             </a:fld>
             <a:endParaRPr lang="es-MX"/>
           </a:p>
@@ -7236,7 +7236,7 @@
           <p:cNvPr id="4" name="Marcador de pie de página 3">
             <a:extLst>
               <a:ext uri="{FF2B5EF4-FFF2-40B4-BE49-F238E27FC236}">
-                <a16:creationId xmlns="" xmlns:a16="http://schemas.microsoft.com/office/drawing/2014/main" id="{6AC465A2-B629-9EFC-663F-3F807AD61A95}"/>
+                <a16:creationId xmlns:a16="http://schemas.microsoft.com/office/drawing/2014/main" xmlns="" id="{6AC465A2-B629-9EFC-663F-3F807AD61A95}"/>
               </a:ext>
             </a:extLst>
           </p:cNvPr>
@@ -7261,7 +7261,7 @@
           <p:cNvPr id="5" name="Marcador de número de diapositiva 4">
             <a:extLst>
               <a:ext uri="{FF2B5EF4-FFF2-40B4-BE49-F238E27FC236}">
-                <a16:creationId xmlns="" xmlns:a16="http://schemas.microsoft.com/office/drawing/2014/main" id="{7149893F-AB4A-EA91-D670-6E8677716A99}"/>
+                <a16:creationId xmlns:a16="http://schemas.microsoft.com/office/drawing/2014/main" xmlns="" id="{7149893F-AB4A-EA91-D670-6E8677716A99}"/>
               </a:ext>
             </a:extLst>
           </p:cNvPr>
@@ -7320,7 +7320,7 @@
           <p:cNvPr id="2" name="Marcador de fecha 1">
             <a:extLst>
               <a:ext uri="{FF2B5EF4-FFF2-40B4-BE49-F238E27FC236}">
-                <a16:creationId xmlns="" xmlns:a16="http://schemas.microsoft.com/office/drawing/2014/main" id="{3D8DCD30-7661-12EB-6BF3-7D6889A8D7E7}"/>
+                <a16:creationId xmlns:a16="http://schemas.microsoft.com/office/drawing/2014/main" xmlns="" id="{3D8DCD30-7661-12EB-6BF3-7D6889A8D7E7}"/>
               </a:ext>
             </a:extLst>
           </p:cNvPr>
@@ -7338,7 +7338,7 @@
           <a:p>
             <a:fld id="{4ED1245C-EDA9-0F49-9277-480AED948C75}" type="datetimeFigureOut">
               <a:rPr lang="es-MX" smtClean="0"/>
-              <a:t>28/06/2023</a:t>
+              <a:t>07/09/2023</a:t>
             </a:fld>
             <a:endParaRPr lang="es-MX"/>
           </a:p>
@@ -7349,7 +7349,7 @@
           <p:cNvPr id="3" name="Marcador de pie de página 2">
             <a:extLst>
               <a:ext uri="{FF2B5EF4-FFF2-40B4-BE49-F238E27FC236}">
-                <a16:creationId xmlns="" xmlns:a16="http://schemas.microsoft.com/office/drawing/2014/main" id="{BCE383F0-BCD5-365A-30DE-4A37BDDD44D8}"/>
+                <a16:creationId xmlns:a16="http://schemas.microsoft.com/office/drawing/2014/main" xmlns="" id="{BCE383F0-BCD5-365A-30DE-4A37BDDD44D8}"/>
               </a:ext>
             </a:extLst>
           </p:cNvPr>
@@ -7374,7 +7374,7 @@
           <p:cNvPr id="4" name="Marcador de número de diapositiva 3">
             <a:extLst>
               <a:ext uri="{FF2B5EF4-FFF2-40B4-BE49-F238E27FC236}">
-                <a16:creationId xmlns="" xmlns:a16="http://schemas.microsoft.com/office/drawing/2014/main" id="{3062DF9B-A73E-907D-5239-FDDD3489CEF2}"/>
+                <a16:creationId xmlns:a16="http://schemas.microsoft.com/office/drawing/2014/main" xmlns="" id="{3062DF9B-A73E-907D-5239-FDDD3489CEF2}"/>
               </a:ext>
             </a:extLst>
           </p:cNvPr>
@@ -7438,7 +7438,7 @@
           <p:cNvPr id="2" name="Marcador de título 1">
             <a:extLst>
               <a:ext uri="{FF2B5EF4-FFF2-40B4-BE49-F238E27FC236}">
-                <a16:creationId xmlns="" xmlns:a16="http://schemas.microsoft.com/office/drawing/2014/main" id="{33F02CBE-7D56-9524-5799-3D4C40AEE1EF}"/>
+                <a16:creationId xmlns:a16="http://schemas.microsoft.com/office/drawing/2014/main" xmlns="" id="{33F02CBE-7D56-9524-5799-3D4C40AEE1EF}"/>
               </a:ext>
             </a:extLst>
           </p:cNvPr>
@@ -7476,7 +7476,7 @@
           <p:cNvPr id="3" name="Marcador de texto 2">
             <a:extLst>
               <a:ext uri="{FF2B5EF4-FFF2-40B4-BE49-F238E27FC236}">
-                <a16:creationId xmlns="" xmlns:a16="http://schemas.microsoft.com/office/drawing/2014/main" id="{A9053B17-0988-26D7-1416-D61D74DBE858}"/>
+                <a16:creationId xmlns:a16="http://schemas.microsoft.com/office/drawing/2014/main" xmlns="" id="{A9053B17-0988-26D7-1416-D61D74DBE858}"/>
               </a:ext>
             </a:extLst>
           </p:cNvPr>
@@ -7543,7 +7543,7 @@
           <p:cNvPr id="4" name="Marcador de fecha 3">
             <a:extLst>
               <a:ext uri="{FF2B5EF4-FFF2-40B4-BE49-F238E27FC236}">
-                <a16:creationId xmlns="" xmlns:a16="http://schemas.microsoft.com/office/drawing/2014/main" id="{3CFF87E4-E3EB-6979-BA49-637760E7BBC3}"/>
+                <a16:creationId xmlns:a16="http://schemas.microsoft.com/office/drawing/2014/main" xmlns="" id="{3CFF87E4-E3EB-6979-BA49-637760E7BBC3}"/>
               </a:ext>
             </a:extLst>
           </p:cNvPr>
@@ -7583,7 +7583,7 @@
             <a:fld id="{4ED1245C-EDA9-0F49-9277-480AED948C75}" type="datetimeFigureOut">
               <a:rPr lang="es-MX" smtClean="0"/>
               <a:pPr/>
-              <a:t>28/06/2023</a:t>
+              <a:t>07/09/2023</a:t>
             </a:fld>
             <a:endParaRPr lang="es-MX"/>
           </a:p>
@@ -7594,7 +7594,7 @@
           <p:cNvPr id="5" name="Marcador de pie de página 4">
             <a:extLst>
               <a:ext uri="{FF2B5EF4-FFF2-40B4-BE49-F238E27FC236}">
-                <a16:creationId xmlns="" xmlns:a16="http://schemas.microsoft.com/office/drawing/2014/main" id="{6143CCC9-3353-516C-3DED-6C05973EB5B8}"/>
+                <a16:creationId xmlns:a16="http://schemas.microsoft.com/office/drawing/2014/main" xmlns="" id="{6143CCC9-3353-516C-3DED-6C05973EB5B8}"/>
               </a:ext>
             </a:extLst>
           </p:cNvPr>
@@ -7640,7 +7640,7 @@
           <p:cNvPr id="6" name="Marcador de número de diapositiva 5">
             <a:extLst>
               <a:ext uri="{FF2B5EF4-FFF2-40B4-BE49-F238E27FC236}">
-                <a16:creationId xmlns="" xmlns:a16="http://schemas.microsoft.com/office/drawing/2014/main" id="{751E5BC1-66C6-23A3-45FC-6B13BC2B4A2D}"/>
+                <a16:creationId xmlns:a16="http://schemas.microsoft.com/office/drawing/2014/main" xmlns="" id="{751E5BC1-66C6-23A3-45FC-6B13BC2B4A2D}"/>
               </a:ext>
             </a:extLst>
           </p:cNvPr>
@@ -8010,7 +8010,7 @@
           <p:cNvPr id="3" name="Imagen 2">
             <a:extLst>
               <a:ext uri="{FF2B5EF4-FFF2-40B4-BE49-F238E27FC236}">
-                <a16:creationId xmlns="" xmlns:a16="http://schemas.microsoft.com/office/drawing/2014/main" id="{B7DCC1AE-CBB9-4F76-A8E3-CF73CD4FFFAE}"/>
+                <a16:creationId xmlns:a16="http://schemas.microsoft.com/office/drawing/2014/main" xmlns="" id="{B7DCC1AE-CBB9-4F76-A8E3-CF73CD4FFFAE}"/>
               </a:ext>
             </a:extLst>
           </p:cNvPr>
@@ -8039,7 +8039,7 @@
           <p:cNvPr id="15" name="Rectángulo 14">
             <a:extLst>
               <a:ext uri="{FF2B5EF4-FFF2-40B4-BE49-F238E27FC236}">
-                <a16:creationId xmlns="" xmlns:a16="http://schemas.microsoft.com/office/drawing/2014/main" id="{B0381972-7714-18E2-8087-DC6EBF8C2989}"/>
+                <a16:creationId xmlns:a16="http://schemas.microsoft.com/office/drawing/2014/main" xmlns="" id="{B0381972-7714-18E2-8087-DC6EBF8C2989}"/>
               </a:ext>
             </a:extLst>
           </p:cNvPr>
@@ -8158,7 +8158,7 @@
           <p:cNvPr id="16" name="Título 1">
             <a:extLst>
               <a:ext uri="{FF2B5EF4-FFF2-40B4-BE49-F238E27FC236}">
-                <a16:creationId xmlns:a16="http://schemas.microsoft.com/office/drawing/2014/main" xmlns="" id="{D5FD1066-7FA1-9BF9-22F0-F52B6DDCD8D0}"/>
+                <a16:creationId xmlns="" xmlns:a16="http://schemas.microsoft.com/office/drawing/2014/main" id="{D5FD1066-7FA1-9BF9-22F0-F52B6DDCD8D0}"/>
               </a:ext>
             </a:extLst>
           </p:cNvPr>
@@ -8189,14 +8189,6 @@
               </a:rPr>
               <a:t>Ejemplo</a:t>
             </a:r>
-            <a:r>
-              <a:rPr lang="es-MX">
-                <a:solidFill>
-                  <a:srgbClr val="C228B4"/>
-                </a:solidFill>
-              </a:rPr>
-              <a:t/>
-            </a:r>
             <a:br>
               <a:rPr lang="es-MX">
                 <a:solidFill>
@@ -8218,15 +8210,7 @@
                   <a:srgbClr val="C228B4"/>
                 </a:solidFill>
               </a:rPr>
-              <a:t>Conteo de </a:t>
-            </a:r>
-            <a:r>
-              <a:rPr lang="es-MX">
-                <a:solidFill>
-                  <a:srgbClr val="C228B4"/>
-                </a:solidFill>
-              </a:rPr>
-              <a:t>Ocurrencias </a:t>
+              <a:t>Conteo de Ocurrencias </a:t>
             </a:r>
             <a:r>
               <a:rPr lang="es-MX" smtClean="0">
@@ -8252,7 +8236,7 @@
           <p:cNvPr id="28" name="Rectángulo redondeado 8">
             <a:extLst>
               <a:ext uri="{FF2B5EF4-FFF2-40B4-BE49-F238E27FC236}">
-                <a16:creationId xmlns="" xmlns:a16="http://schemas.microsoft.com/office/drawing/2014/main" id="{277BA7B5-969F-97FA-876B-9353DE62E89F}"/>
+                <a16:creationId xmlns:a16="http://schemas.microsoft.com/office/drawing/2014/main" xmlns="" id="{277BA7B5-969F-97FA-876B-9353DE62E89F}"/>
               </a:ext>
             </a:extLst>
           </p:cNvPr>
@@ -8306,7 +8290,7 @@
           <p:cNvPr id="30" name="Rectangle 68">
             <a:extLst>
               <a:ext uri="{FF2B5EF4-FFF2-40B4-BE49-F238E27FC236}">
-                <a16:creationId xmlns="" xmlns:a16="http://schemas.microsoft.com/office/drawing/2014/main" id="{2E170935-075B-E9F1-39F5-718251B4ECCC}"/>
+                <a16:creationId xmlns:a16="http://schemas.microsoft.com/office/drawing/2014/main" xmlns="" id="{2E170935-075B-E9F1-39F5-718251B4ECCC}"/>
               </a:ext>
             </a:extLst>
           </p:cNvPr>
@@ -8385,7 +8369,7 @@
           <p:cNvPr id="7" name="Table 3">
             <a:extLst>
               <a:ext uri="{FF2B5EF4-FFF2-40B4-BE49-F238E27FC236}">
-                <a16:creationId xmlns="" xmlns:a16="http://schemas.microsoft.com/office/drawing/2014/main" id="{422A8208-A563-A55B-5344-09BD741BE766}"/>
+                <a16:creationId xmlns:a16="http://schemas.microsoft.com/office/drawing/2014/main" xmlns="" id="{422A8208-A563-A55B-5344-09BD741BE766}"/>
               </a:ext>
             </a:extLst>
           </p:cNvPr>
@@ -8414,14 +8398,14 @@
                 <a:gridCol w="4517033">
                   <a:extLst>
                     <a:ext uri="{9D8B030D-6E8A-4147-A177-3AD203B41FA5}">
-                      <a16:colId xmlns="" xmlns:a16="http://schemas.microsoft.com/office/drawing/2014/main" val="3102874728"/>
+                      <a16:colId xmlns:a16="http://schemas.microsoft.com/office/drawing/2014/main" xmlns="" val="3102874728"/>
                     </a:ext>
                   </a:extLst>
                 </a:gridCol>
                 <a:gridCol w="4517033">
                   <a:extLst>
                     <a:ext uri="{9D8B030D-6E8A-4147-A177-3AD203B41FA5}">
-                      <a16:colId xmlns="" xmlns:a16="http://schemas.microsoft.com/office/drawing/2014/main" val="3824228278"/>
+                      <a16:colId xmlns:a16="http://schemas.microsoft.com/office/drawing/2014/main" xmlns="" val="3824228278"/>
                     </a:ext>
                   </a:extLst>
                 </a:gridCol>
@@ -8567,7 +8551,7 @@
                 </a:tc>
                 <a:extLst>
                   <a:ext uri="{0D108BD9-81ED-4DB2-BD59-A6C34878D82A}">
-                    <a16:rowId xmlns="" xmlns:a16="http://schemas.microsoft.com/office/drawing/2014/main" val="4006425940"/>
+                    <a16:rowId xmlns:a16="http://schemas.microsoft.com/office/drawing/2014/main" xmlns="" val="4006425940"/>
                   </a:ext>
                 </a:extLst>
               </a:tr>
@@ -8740,7 +8724,7 @@
                 </a:tc>
                 <a:extLst>
                   <a:ext uri="{0D108BD9-81ED-4DB2-BD59-A6C34878D82A}">
-                    <a16:rowId xmlns="" xmlns:a16="http://schemas.microsoft.com/office/drawing/2014/main" val="2195307831"/>
+                    <a16:rowId xmlns:a16="http://schemas.microsoft.com/office/drawing/2014/main" xmlns="" val="2195307831"/>
                   </a:ext>
                 </a:extLst>
               </a:tr>
@@ -9249,7 +9233,7 @@
                 </a:tc>
                 <a:extLst>
                   <a:ext uri="{0D108BD9-81ED-4DB2-BD59-A6C34878D82A}">
-                    <a16:rowId xmlns="" xmlns:a16="http://schemas.microsoft.com/office/drawing/2014/main" val="2880154858"/>
+                    <a16:rowId xmlns:a16="http://schemas.microsoft.com/office/drawing/2014/main" xmlns="" val="2880154858"/>
                   </a:ext>
                 </a:extLst>
               </a:tr>
@@ -9599,7 +9583,7 @@
                 </a:tc>
                 <a:extLst>
                   <a:ext uri="{0D108BD9-81ED-4DB2-BD59-A6C34878D82A}">
-                    <a16:rowId xmlns="" xmlns:a16="http://schemas.microsoft.com/office/drawing/2014/main" val="941017362"/>
+                    <a16:rowId xmlns:a16="http://schemas.microsoft.com/office/drawing/2014/main" xmlns="" val="941017362"/>
                   </a:ext>
                 </a:extLst>
               </a:tr>
@@ -9786,7 +9770,7 @@
     <a:masterClrMapping/>
   </p:clrMapOvr>
   <mc:AlternateContent xmlns:mc="http://schemas.openxmlformats.org/markup-compatibility/2006">
-    <mc:Choice xmlns:p159="http://schemas.microsoft.com/office/powerpoint/2015/09/main" xmlns="" Requires="p159">
+    <mc:Choice xmlns="" xmlns:p159="http://schemas.microsoft.com/office/powerpoint/2015/09/main" Requires="p159">
       <p:transition xmlns:p14="http://schemas.microsoft.com/office/powerpoint/2010/main" spd="slow" p14:dur="2000">
         <p159:morph option="byObject"/>
       </p:transition>
@@ -9800,91 +9784,9 @@
   <p:timing>
     <p:tnLst>
       <p:par>
-        <p:cTn id="1" dur="indefinite" restart="never" nodeType="tmRoot">
-          <p:childTnLst>
-            <p:seq concurrent="1" nextAc="seek">
-              <p:cTn id="2" dur="indefinite" nodeType="mainSeq">
-                <p:childTnLst>
-                  <p:par>
-                    <p:cTn id="3" fill="hold">
-                      <p:stCondLst>
-                        <p:cond delay="indefinite"/>
-                        <p:cond evt="onBegin" delay="0">
-                          <p:tn val="2"/>
-                        </p:cond>
-                      </p:stCondLst>
-                      <p:childTnLst>
-                        <p:par>
-                          <p:cTn id="4" fill="hold">
-                            <p:stCondLst>
-                              <p:cond delay="0"/>
-                            </p:stCondLst>
-                            <p:childTnLst>
-                              <p:par>
-                                <p:cTn id="5" presetID="22" presetClass="entr" presetSubtype="8" fill="hold" grpId="0" nodeType="afterEffect">
-                                  <p:stCondLst>
-                                    <p:cond delay="0"/>
-                                  </p:stCondLst>
-                                  <p:childTnLst>
-                                    <p:set>
-                                      <p:cBhvr>
-                                        <p:cTn id="6" dur="1" fill="hold">
-                                          <p:stCondLst>
-                                            <p:cond delay="0"/>
-                                          </p:stCondLst>
-                                        </p:cTn>
-                                        <p:tgtEl>
-                                          <p:spTgt spid="30"/>
-                                        </p:tgtEl>
-                                        <p:attrNameLst>
-                                          <p:attrName>style.visibility</p:attrName>
-                                        </p:attrNameLst>
-                                      </p:cBhvr>
-                                      <p:to>
-                                        <p:strVal val="visible"/>
-                                      </p:to>
-                                    </p:set>
-                                    <p:animEffect transition="in" filter="wipe(left)">
-                                      <p:cBhvr>
-                                        <p:cTn id="7" dur="500"/>
-                                        <p:tgtEl>
-                                          <p:spTgt spid="30"/>
-                                        </p:tgtEl>
-                                      </p:cBhvr>
-                                    </p:animEffect>
-                                  </p:childTnLst>
-                                </p:cTn>
-                              </p:par>
-                            </p:childTnLst>
-                          </p:cTn>
-                        </p:par>
-                      </p:childTnLst>
-                    </p:cTn>
-                  </p:par>
-                </p:childTnLst>
-              </p:cTn>
-              <p:prevCondLst>
-                <p:cond evt="onPrev" delay="0">
-                  <p:tgtEl>
-                    <p:sldTgt/>
-                  </p:tgtEl>
-                </p:cond>
-              </p:prevCondLst>
-              <p:nextCondLst>
-                <p:cond evt="onNext" delay="0">
-                  <p:tgtEl>
-                    <p:sldTgt/>
-                  </p:tgtEl>
-                </p:cond>
-              </p:nextCondLst>
-            </p:seq>
-          </p:childTnLst>
-        </p:cTn>
+        <p:cTn id="1" dur="indefinite" restart="never" nodeType="tmRoot"/>
       </p:par>
     </p:tnLst>
-    <p:bldLst>
-      <p:bldP spid="30" grpId="0"/>
-    </p:bldLst>
   </p:timing>
 </p:sld>
 </file>
@@ -9911,7 +9813,7 @@
           <p:cNvPr id="16" name="Título 1">
             <a:extLst>
               <a:ext uri="{FF2B5EF4-FFF2-40B4-BE49-F238E27FC236}">
-                <a16:creationId xmlns:a16="http://schemas.microsoft.com/office/drawing/2014/main" xmlns="" id="{D5FD1066-7FA1-9BF9-22F0-F52B6DDCD8D0}"/>
+                <a16:creationId xmlns="" xmlns:a16="http://schemas.microsoft.com/office/drawing/2014/main" id="{D5FD1066-7FA1-9BF9-22F0-F52B6DDCD8D0}"/>
               </a:ext>
             </a:extLst>
           </p:cNvPr>
@@ -9942,14 +9844,6 @@
               </a:rPr>
               <a:t>Ejemplo</a:t>
             </a:r>
-            <a:r>
-              <a:rPr lang="es-MX">
-                <a:solidFill>
-                  <a:srgbClr val="C228B4"/>
-                </a:solidFill>
-              </a:rPr>
-              <a:t/>
-            </a:r>
             <a:br>
               <a:rPr lang="es-MX">
                 <a:solidFill>
@@ -9971,15 +9865,7 @@
                   <a:srgbClr val="C228B4"/>
                 </a:solidFill>
               </a:rPr>
-              <a:t>Conteo de </a:t>
-            </a:r>
-            <a:r>
-              <a:rPr lang="es-MX">
-                <a:solidFill>
-                  <a:srgbClr val="C228B4"/>
-                </a:solidFill>
-              </a:rPr>
-              <a:t>Ocurrencias </a:t>
+              <a:t>Conteo de Ocurrencias </a:t>
             </a:r>
             <a:r>
               <a:rPr lang="es-MX" smtClean="0">
@@ -10005,7 +9891,7 @@
           <p:cNvPr id="28" name="Rectángulo redondeado 8">
             <a:extLst>
               <a:ext uri="{FF2B5EF4-FFF2-40B4-BE49-F238E27FC236}">
-                <a16:creationId xmlns="" xmlns:a16="http://schemas.microsoft.com/office/drawing/2014/main" id="{277BA7B5-969F-97FA-876B-9353DE62E89F}"/>
+                <a16:creationId xmlns:a16="http://schemas.microsoft.com/office/drawing/2014/main" xmlns="" id="{277BA7B5-969F-97FA-876B-9353DE62E89F}"/>
               </a:ext>
             </a:extLst>
           </p:cNvPr>
@@ -10059,7 +9945,7 @@
           <p:cNvPr id="30" name="Rectangle 68">
             <a:extLst>
               <a:ext uri="{FF2B5EF4-FFF2-40B4-BE49-F238E27FC236}">
-                <a16:creationId xmlns="" xmlns:a16="http://schemas.microsoft.com/office/drawing/2014/main" id="{2E170935-075B-E9F1-39F5-718251B4ECCC}"/>
+                <a16:creationId xmlns:a16="http://schemas.microsoft.com/office/drawing/2014/main" xmlns="" id="{2E170935-075B-E9F1-39F5-718251B4ECCC}"/>
               </a:ext>
             </a:extLst>
           </p:cNvPr>
@@ -10138,7 +10024,7 @@
           <p:cNvPr id="7" name="Table 3">
             <a:extLst>
               <a:ext uri="{FF2B5EF4-FFF2-40B4-BE49-F238E27FC236}">
-                <a16:creationId xmlns="" xmlns:a16="http://schemas.microsoft.com/office/drawing/2014/main" id="{422A8208-A563-A55B-5344-09BD741BE766}"/>
+                <a16:creationId xmlns:a16="http://schemas.microsoft.com/office/drawing/2014/main" xmlns="" id="{422A8208-A563-A55B-5344-09BD741BE766}"/>
               </a:ext>
             </a:extLst>
           </p:cNvPr>
@@ -10167,14 +10053,14 @@
                 <a:gridCol w="4517033">
                   <a:extLst>
                     <a:ext uri="{9D8B030D-6E8A-4147-A177-3AD203B41FA5}">
-                      <a16:colId xmlns="" xmlns:a16="http://schemas.microsoft.com/office/drawing/2014/main" val="3102874728"/>
+                      <a16:colId xmlns:a16="http://schemas.microsoft.com/office/drawing/2014/main" xmlns="" val="3102874728"/>
                     </a:ext>
                   </a:extLst>
                 </a:gridCol>
                 <a:gridCol w="4517033">
                   <a:extLst>
                     <a:ext uri="{9D8B030D-6E8A-4147-A177-3AD203B41FA5}">
-                      <a16:colId xmlns="" xmlns:a16="http://schemas.microsoft.com/office/drawing/2014/main" val="3824228278"/>
+                      <a16:colId xmlns:a16="http://schemas.microsoft.com/office/drawing/2014/main" xmlns="" val="3824228278"/>
                     </a:ext>
                   </a:extLst>
                 </a:gridCol>
@@ -10320,7 +10206,7 @@
                 </a:tc>
                 <a:extLst>
                   <a:ext uri="{0D108BD9-81ED-4DB2-BD59-A6C34878D82A}">
-                    <a16:rowId xmlns="" xmlns:a16="http://schemas.microsoft.com/office/drawing/2014/main" val="4006425940"/>
+                    <a16:rowId xmlns:a16="http://schemas.microsoft.com/office/drawing/2014/main" xmlns="" val="4006425940"/>
                   </a:ext>
                 </a:extLst>
               </a:tr>
@@ -10493,7 +10379,7 @@
                 </a:tc>
                 <a:extLst>
                   <a:ext uri="{0D108BD9-81ED-4DB2-BD59-A6C34878D82A}">
-                    <a16:rowId xmlns="" xmlns:a16="http://schemas.microsoft.com/office/drawing/2014/main" val="2195307831"/>
+                    <a16:rowId xmlns:a16="http://schemas.microsoft.com/office/drawing/2014/main" xmlns="" val="2195307831"/>
                   </a:ext>
                 </a:extLst>
               </a:tr>
@@ -10689,7 +10575,7 @@
     <a:masterClrMapping/>
   </p:clrMapOvr>
   <mc:AlternateContent xmlns:mc="http://schemas.openxmlformats.org/markup-compatibility/2006">
-    <mc:Choice xmlns:p159="http://schemas.microsoft.com/office/powerpoint/2015/09/main" xmlns="" Requires="p159">
+    <mc:Choice xmlns="" xmlns:p159="http://schemas.microsoft.com/office/powerpoint/2015/09/main" Requires="p159">
       <p:transition xmlns:p14="http://schemas.microsoft.com/office/powerpoint/2010/main" spd="slow" p14:dur="2000">
         <p159:morph option="byObject"/>
       </p:transition>
@@ -10703,91 +10589,9 @@
   <p:timing>
     <p:tnLst>
       <p:par>
-        <p:cTn id="1" dur="indefinite" restart="never" nodeType="tmRoot">
-          <p:childTnLst>
-            <p:seq concurrent="1" nextAc="seek">
-              <p:cTn id="2" dur="indefinite" nodeType="mainSeq">
-                <p:childTnLst>
-                  <p:par>
-                    <p:cTn id="3" fill="hold">
-                      <p:stCondLst>
-                        <p:cond delay="indefinite"/>
-                        <p:cond evt="onBegin" delay="0">
-                          <p:tn val="2"/>
-                        </p:cond>
-                      </p:stCondLst>
-                      <p:childTnLst>
-                        <p:par>
-                          <p:cTn id="4" fill="hold">
-                            <p:stCondLst>
-                              <p:cond delay="0"/>
-                            </p:stCondLst>
-                            <p:childTnLst>
-                              <p:par>
-                                <p:cTn id="5" presetID="22" presetClass="entr" presetSubtype="8" fill="hold" grpId="0" nodeType="afterEffect">
-                                  <p:stCondLst>
-                                    <p:cond delay="0"/>
-                                  </p:stCondLst>
-                                  <p:childTnLst>
-                                    <p:set>
-                                      <p:cBhvr>
-                                        <p:cTn id="6" dur="1" fill="hold">
-                                          <p:stCondLst>
-                                            <p:cond delay="0"/>
-                                          </p:stCondLst>
-                                        </p:cTn>
-                                        <p:tgtEl>
-                                          <p:spTgt spid="30"/>
-                                        </p:tgtEl>
-                                        <p:attrNameLst>
-                                          <p:attrName>style.visibility</p:attrName>
-                                        </p:attrNameLst>
-                                      </p:cBhvr>
-                                      <p:to>
-                                        <p:strVal val="visible"/>
-                                      </p:to>
-                                    </p:set>
-                                    <p:animEffect transition="in" filter="wipe(left)">
-                                      <p:cBhvr>
-                                        <p:cTn id="7" dur="500"/>
-                                        <p:tgtEl>
-                                          <p:spTgt spid="30"/>
-                                        </p:tgtEl>
-                                      </p:cBhvr>
-                                    </p:animEffect>
-                                  </p:childTnLst>
-                                </p:cTn>
-                              </p:par>
-                            </p:childTnLst>
-                          </p:cTn>
-                        </p:par>
-                      </p:childTnLst>
-                    </p:cTn>
-                  </p:par>
-                </p:childTnLst>
-              </p:cTn>
-              <p:prevCondLst>
-                <p:cond evt="onPrev" delay="0">
-                  <p:tgtEl>
-                    <p:sldTgt/>
-                  </p:tgtEl>
-                </p:cond>
-              </p:prevCondLst>
-              <p:nextCondLst>
-                <p:cond evt="onNext" delay="0">
-                  <p:tgtEl>
-                    <p:sldTgt/>
-                  </p:tgtEl>
-                </p:cond>
-              </p:nextCondLst>
-            </p:seq>
-          </p:childTnLst>
-        </p:cTn>
+        <p:cTn id="1" dur="indefinite" restart="never" nodeType="tmRoot"/>
       </p:par>
     </p:tnLst>
-    <p:bldLst>
-      <p:bldP spid="30" grpId="0"/>
-    </p:bldLst>
   </p:timing>
 </p:sld>
 </file>
@@ -10814,7 +10618,7 @@
           <p:cNvPr id="16" name="Título 1">
             <a:extLst>
               <a:ext uri="{FF2B5EF4-FFF2-40B4-BE49-F238E27FC236}">
-                <a16:creationId xmlns:a16="http://schemas.microsoft.com/office/drawing/2014/main" xmlns="" id="{D5FD1066-7FA1-9BF9-22F0-F52B6DDCD8D0}"/>
+                <a16:creationId xmlns="" xmlns:a16="http://schemas.microsoft.com/office/drawing/2014/main" id="{D5FD1066-7FA1-9BF9-22F0-F52B6DDCD8D0}"/>
               </a:ext>
             </a:extLst>
           </p:cNvPr>
@@ -10894,7 +10698,7 @@
           <p:cNvPr id="28" name="Rectángulo redondeado 8">
             <a:extLst>
               <a:ext uri="{FF2B5EF4-FFF2-40B4-BE49-F238E27FC236}">
-                <a16:creationId xmlns="" xmlns:a16="http://schemas.microsoft.com/office/drawing/2014/main" id="{277BA7B5-969F-97FA-876B-9353DE62E89F}"/>
+                <a16:creationId xmlns:a16="http://schemas.microsoft.com/office/drawing/2014/main" xmlns="" id="{277BA7B5-969F-97FA-876B-9353DE62E89F}"/>
               </a:ext>
             </a:extLst>
           </p:cNvPr>
@@ -10948,7 +10752,7 @@
           <p:cNvPr id="30" name="Rectangle 68">
             <a:extLst>
               <a:ext uri="{FF2B5EF4-FFF2-40B4-BE49-F238E27FC236}">
-                <a16:creationId xmlns="" xmlns:a16="http://schemas.microsoft.com/office/drawing/2014/main" id="{2E170935-075B-E9F1-39F5-718251B4ECCC}"/>
+                <a16:creationId xmlns:a16="http://schemas.microsoft.com/office/drawing/2014/main" xmlns="" id="{2E170935-075B-E9F1-39F5-718251B4ECCC}"/>
               </a:ext>
             </a:extLst>
           </p:cNvPr>
@@ -11027,7 +10831,7 @@
           <p:cNvPr id="9" name="Table 3">
             <a:extLst>
               <a:ext uri="{FF2B5EF4-FFF2-40B4-BE49-F238E27FC236}">
-                <a16:creationId xmlns="" xmlns:a16="http://schemas.microsoft.com/office/drawing/2014/main" id="{422A8208-A563-A55B-5344-09BD741BE766}"/>
+                <a16:creationId xmlns:a16="http://schemas.microsoft.com/office/drawing/2014/main" xmlns="" id="{422A8208-A563-A55B-5344-09BD741BE766}"/>
               </a:ext>
             </a:extLst>
           </p:cNvPr>
@@ -11056,14 +10860,14 @@
                 <a:gridCol w="4517033">
                   <a:extLst>
                     <a:ext uri="{9D8B030D-6E8A-4147-A177-3AD203B41FA5}">
-                      <a16:colId xmlns="" xmlns:a16="http://schemas.microsoft.com/office/drawing/2014/main" val="3102874728"/>
+                      <a16:colId xmlns:a16="http://schemas.microsoft.com/office/drawing/2014/main" xmlns="" val="3102874728"/>
                     </a:ext>
                   </a:extLst>
                 </a:gridCol>
                 <a:gridCol w="4517033">
                   <a:extLst>
                     <a:ext uri="{9D8B030D-6E8A-4147-A177-3AD203B41FA5}">
-                      <a16:colId xmlns="" xmlns:a16="http://schemas.microsoft.com/office/drawing/2014/main" val="3824228278"/>
+                      <a16:colId xmlns:a16="http://schemas.microsoft.com/office/drawing/2014/main" xmlns="" val="3824228278"/>
                     </a:ext>
                   </a:extLst>
                 </a:gridCol>
@@ -11209,7 +11013,7 @@
                 </a:tc>
                 <a:extLst>
                   <a:ext uri="{0D108BD9-81ED-4DB2-BD59-A6C34878D82A}">
-                    <a16:rowId xmlns="" xmlns:a16="http://schemas.microsoft.com/office/drawing/2014/main" val="4006425940"/>
+                    <a16:rowId xmlns:a16="http://schemas.microsoft.com/office/drawing/2014/main" xmlns="" val="4006425940"/>
                   </a:ext>
                 </a:extLst>
               </a:tr>
@@ -11382,7 +11186,7 @@
                 </a:tc>
                 <a:extLst>
                   <a:ext uri="{0D108BD9-81ED-4DB2-BD59-A6C34878D82A}">
-                    <a16:rowId xmlns="" xmlns:a16="http://schemas.microsoft.com/office/drawing/2014/main" val="762319770"/>
+                    <a16:rowId xmlns:a16="http://schemas.microsoft.com/office/drawing/2014/main" xmlns="" val="762319770"/>
                   </a:ext>
                 </a:extLst>
               </a:tr>
@@ -12088,7 +11892,7 @@
           <p:cNvPr id="7" name="Rectangle 68">
             <a:extLst>
               <a:ext uri="{FF2B5EF4-FFF2-40B4-BE49-F238E27FC236}">
-                <a16:creationId xmlns="" xmlns:a16="http://schemas.microsoft.com/office/drawing/2014/main" id="{2E170935-075B-E9F1-39F5-718251B4ECCC}"/>
+                <a16:creationId xmlns:a16="http://schemas.microsoft.com/office/drawing/2014/main" xmlns="" id="{2E170935-075B-E9F1-39F5-718251B4ECCC}"/>
               </a:ext>
             </a:extLst>
           </p:cNvPr>
@@ -12148,7 +11952,7 @@
     <a:masterClrMapping/>
   </p:clrMapOvr>
   <mc:AlternateContent xmlns:mc="http://schemas.openxmlformats.org/markup-compatibility/2006">
-    <mc:Choice xmlns:p159="http://schemas.microsoft.com/office/powerpoint/2015/09/main" xmlns="" Requires="p159">
+    <mc:Choice xmlns="" xmlns:p159="http://schemas.microsoft.com/office/powerpoint/2015/09/main" Requires="p159">
       <p:transition xmlns:p14="http://schemas.microsoft.com/office/powerpoint/2010/main" spd="slow" p14:dur="2000">
         <p159:morph option="byObject"/>
       </p:transition>
@@ -12162,136 +11966,9 @@
   <p:timing>
     <p:tnLst>
       <p:par>
-        <p:cTn id="1" dur="indefinite" restart="never" nodeType="tmRoot">
-          <p:childTnLst>
-            <p:seq concurrent="1" nextAc="seek">
-              <p:cTn id="2" dur="indefinite" nodeType="mainSeq">
-                <p:childTnLst>
-                  <p:par>
-                    <p:cTn id="3" fill="hold">
-                      <p:stCondLst>
-                        <p:cond delay="indefinite"/>
-                        <p:cond evt="onBegin" delay="0">
-                          <p:tn val="2"/>
-                        </p:cond>
-                      </p:stCondLst>
-                      <p:childTnLst>
-                        <p:par>
-                          <p:cTn id="4" fill="hold">
-                            <p:stCondLst>
-                              <p:cond delay="0"/>
-                            </p:stCondLst>
-                            <p:childTnLst>
-                              <p:par>
-                                <p:cTn id="5" presetID="22" presetClass="entr" presetSubtype="8" fill="hold" grpId="0" nodeType="afterEffect">
-                                  <p:stCondLst>
-                                    <p:cond delay="0"/>
-                                  </p:stCondLst>
-                                  <p:childTnLst>
-                                    <p:set>
-                                      <p:cBhvr>
-                                        <p:cTn id="6" dur="1" fill="hold">
-                                          <p:stCondLst>
-                                            <p:cond delay="0"/>
-                                          </p:stCondLst>
-                                        </p:cTn>
-                                        <p:tgtEl>
-                                          <p:spTgt spid="30"/>
-                                        </p:tgtEl>
-                                        <p:attrNameLst>
-                                          <p:attrName>style.visibility</p:attrName>
-                                        </p:attrNameLst>
-                                      </p:cBhvr>
-                                      <p:to>
-                                        <p:strVal val="visible"/>
-                                      </p:to>
-                                    </p:set>
-                                    <p:animEffect transition="in" filter="wipe(left)">
-                                      <p:cBhvr>
-                                        <p:cTn id="7" dur="500"/>
-                                        <p:tgtEl>
-                                          <p:spTgt spid="30"/>
-                                        </p:tgtEl>
-                                      </p:cBhvr>
-                                    </p:animEffect>
-                                  </p:childTnLst>
-                                </p:cTn>
-                              </p:par>
-                            </p:childTnLst>
-                          </p:cTn>
-                        </p:par>
-                        <p:par>
-                          <p:cTn id="8" fill="hold">
-                            <p:stCondLst>
-                              <p:cond delay="500"/>
-                            </p:stCondLst>
-                            <p:childTnLst>
-                              <p:par>
-                                <p:cTn id="9" presetID="22" presetClass="entr" presetSubtype="8" fill="hold" grpId="0" nodeType="afterEffect">
-                                  <p:stCondLst>
-                                    <p:cond delay="0"/>
-                                  </p:stCondLst>
-                                  <p:childTnLst>
-                                    <p:set>
-                                      <p:cBhvr>
-                                        <p:cTn id="10" dur="1" fill="hold">
-                                          <p:stCondLst>
-                                            <p:cond delay="0"/>
-                                          </p:stCondLst>
-                                        </p:cTn>
-                                        <p:tgtEl>
-                                          <p:spTgt spid="7"/>
-                                        </p:tgtEl>
-                                        <p:attrNameLst>
-                                          <p:attrName>style.visibility</p:attrName>
-                                        </p:attrNameLst>
-                                      </p:cBhvr>
-                                      <p:to>
-                                        <p:strVal val="visible"/>
-                                      </p:to>
-                                    </p:set>
-                                    <p:animEffect transition="in" filter="wipe(left)">
-                                      <p:cBhvr>
-                                        <p:cTn id="11" dur="500"/>
-                                        <p:tgtEl>
-                                          <p:spTgt spid="7"/>
-                                        </p:tgtEl>
-                                      </p:cBhvr>
-                                    </p:animEffect>
-                                  </p:childTnLst>
-                                </p:cTn>
-                              </p:par>
-                            </p:childTnLst>
-                          </p:cTn>
-                        </p:par>
-                      </p:childTnLst>
-                    </p:cTn>
-                  </p:par>
-                </p:childTnLst>
-              </p:cTn>
-              <p:prevCondLst>
-                <p:cond evt="onPrev" delay="0">
-                  <p:tgtEl>
-                    <p:sldTgt/>
-                  </p:tgtEl>
-                </p:cond>
-              </p:prevCondLst>
-              <p:nextCondLst>
-                <p:cond evt="onNext" delay="0">
-                  <p:tgtEl>
-                    <p:sldTgt/>
-                  </p:tgtEl>
-                </p:cond>
-              </p:nextCondLst>
-            </p:seq>
-          </p:childTnLst>
-        </p:cTn>
+        <p:cTn id="1" dur="indefinite" restart="never" nodeType="tmRoot"/>
       </p:par>
     </p:tnLst>
-    <p:bldLst>
-      <p:bldP spid="30" grpId="0"/>
-      <p:bldP spid="7" grpId="0"/>
-    </p:bldLst>
   </p:timing>
 </p:sld>
 </file>
@@ -12318,7 +11995,7 @@
           <p:cNvPr id="6" name="Imagen 5">
             <a:extLst>
               <a:ext uri="{FF2B5EF4-FFF2-40B4-BE49-F238E27FC236}">
-                <a16:creationId xmlns:a16="http://schemas.microsoft.com/office/drawing/2014/main" xmlns="" id="{C7AF1B1A-EC24-0110-EC27-DA8D856D19E1}"/>
+                <a16:creationId xmlns="" xmlns:a16="http://schemas.microsoft.com/office/drawing/2014/main" id="{C7AF1B1A-EC24-0110-EC27-DA8D856D19E1}"/>
               </a:ext>
             </a:extLst>
           </p:cNvPr>
@@ -12347,7 +12024,7 @@
           <p:cNvPr id="10" name="Rectángulo 9">
             <a:extLst>
               <a:ext uri="{FF2B5EF4-FFF2-40B4-BE49-F238E27FC236}">
-                <a16:creationId xmlns:a16="http://schemas.microsoft.com/office/drawing/2014/main" xmlns="" id="{42C0FB70-06CB-BDFF-7E17-EF3997616BEE}"/>
+                <a16:creationId xmlns="" xmlns:a16="http://schemas.microsoft.com/office/drawing/2014/main" id="{42C0FB70-06CB-BDFF-7E17-EF3997616BEE}"/>
               </a:ext>
             </a:extLst>
           </p:cNvPr>
@@ -12417,7 +12094,7 @@
           <p:cNvPr id="16" name="Título 1">
             <a:extLst>
               <a:ext uri="{FF2B5EF4-FFF2-40B4-BE49-F238E27FC236}">
-                <a16:creationId xmlns:a16="http://schemas.microsoft.com/office/drawing/2014/main" xmlns="" id="{D5FD1066-7FA1-9BF9-22F0-F52B6DDCD8D0}"/>
+                <a16:creationId xmlns="" xmlns:a16="http://schemas.microsoft.com/office/drawing/2014/main" id="{D5FD1066-7FA1-9BF9-22F0-F52B6DDCD8D0}"/>
               </a:ext>
             </a:extLst>
           </p:cNvPr>
@@ -12468,7 +12145,7 @@
           <p:cNvPr id="36" name="Arco 35">
             <a:extLst>
               <a:ext uri="{FF2B5EF4-FFF2-40B4-BE49-F238E27FC236}">
-                <a16:creationId xmlns:a16="http://schemas.microsoft.com/office/drawing/2014/main" xmlns="" id="{462996D0-D04F-8360-029E-CC48C6BB96BE}"/>
+                <a16:creationId xmlns="" xmlns:a16="http://schemas.microsoft.com/office/drawing/2014/main" id="{462996D0-D04F-8360-029E-CC48C6BB96BE}"/>
               </a:ext>
             </a:extLst>
           </p:cNvPr>
@@ -12523,7 +12200,7 @@
           <p:cNvPr id="37" name="Elipse 36">
             <a:extLst>
               <a:ext uri="{FF2B5EF4-FFF2-40B4-BE49-F238E27FC236}">
-                <a16:creationId xmlns:a16="http://schemas.microsoft.com/office/drawing/2014/main" xmlns="" id="{09FBE510-9164-4338-F786-7A596CD55599}"/>
+                <a16:creationId xmlns="" xmlns:a16="http://schemas.microsoft.com/office/drawing/2014/main" id="{09FBE510-9164-4338-F786-7A596CD55599}"/>
               </a:ext>
             </a:extLst>
           </p:cNvPr>
@@ -12577,7 +12254,7 @@
           <p:cNvPr id="38" name="Rectángulo redondeado 37">
             <a:extLst>
               <a:ext uri="{FF2B5EF4-FFF2-40B4-BE49-F238E27FC236}">
-                <a16:creationId xmlns:a16="http://schemas.microsoft.com/office/drawing/2014/main" xmlns="" id="{6448D5F6-8BCD-B74F-E66B-7BEDFE605133}"/>
+                <a16:creationId xmlns="" xmlns:a16="http://schemas.microsoft.com/office/drawing/2014/main" id="{6448D5F6-8BCD-B74F-E66B-7BEDFE605133}"/>
               </a:ext>
             </a:extLst>
           </p:cNvPr>
@@ -12640,7 +12317,7 @@
           <p:cNvPr id="39" name="Rectángulo redondeado 38">
             <a:extLst>
               <a:ext uri="{FF2B5EF4-FFF2-40B4-BE49-F238E27FC236}">
-                <a16:creationId xmlns:a16="http://schemas.microsoft.com/office/drawing/2014/main" xmlns="" id="{D7830C00-6181-592B-F3BA-18F5BC4DD36A}"/>
+                <a16:creationId xmlns="" xmlns:a16="http://schemas.microsoft.com/office/drawing/2014/main" id="{D7830C00-6181-592B-F3BA-18F5BC4DD36A}"/>
               </a:ext>
             </a:extLst>
           </p:cNvPr>
@@ -12702,7 +12379,7 @@
           <p:cNvPr id="40" name="Subtítulo 2">
             <a:extLst>
               <a:ext uri="{FF2B5EF4-FFF2-40B4-BE49-F238E27FC236}">
-                <a16:creationId xmlns:a16="http://schemas.microsoft.com/office/drawing/2014/main" xmlns="" id="{2170B44C-1CC9-287A-7B47-AF6711A3B985}"/>
+                <a16:creationId xmlns="" xmlns:a16="http://schemas.microsoft.com/office/drawing/2014/main" id="{2170B44C-1CC9-287A-7B47-AF6711A3B985}"/>
               </a:ext>
             </a:extLst>
           </p:cNvPr>
@@ -13067,14 +12744,6 @@
               </a:rPr>
               <a:t>No genera todos los conjuntos de artículos frecuentes</a:t>
             </a:r>
-            <a:endParaRPr lang="es-MX" sz="1200" smtClean="0">
-              <a:solidFill>
-                <a:srgbClr val="3C0E52"/>
-              </a:solidFill>
-              <a:latin typeface="Verdana" panose="020B0604030504040204" pitchFamily="34" charset="0"/>
-              <a:ea typeface="Verdana" panose="020B0604030504040204" pitchFamily="34" charset="0"/>
-              <a:cs typeface="Verdana" panose="020B0604030504040204" pitchFamily="34" charset="0"/>
-            </a:endParaRPr>
           </a:p>
           <a:p>
             <a:pPr marL="171450" indent="-171450" algn="l">
@@ -13103,7 +12772,7 @@
           <p:cNvPr id="41" name="Subtítulo 2">
             <a:extLst>
               <a:ext uri="{FF2B5EF4-FFF2-40B4-BE49-F238E27FC236}">
-                <a16:creationId xmlns:a16="http://schemas.microsoft.com/office/drawing/2014/main" xmlns="" id="{574F22F8-240F-5F7A-4212-3A2E01BE7BCD}"/>
+                <a16:creationId xmlns="" xmlns:a16="http://schemas.microsoft.com/office/drawing/2014/main" id="{574F22F8-240F-5F7A-4212-3A2E01BE7BCD}"/>
               </a:ext>
             </a:extLst>
           </p:cNvPr>
@@ -13322,7 +12991,7 @@
           <p:cNvPr id="42" name="Rectángulo redondeado 41">
             <a:extLst>
               <a:ext uri="{FF2B5EF4-FFF2-40B4-BE49-F238E27FC236}">
-                <a16:creationId xmlns:a16="http://schemas.microsoft.com/office/drawing/2014/main" xmlns="" id="{4A9721F1-8486-FABF-47D5-5D4E06D3706F}"/>
+                <a16:creationId xmlns="" xmlns:a16="http://schemas.microsoft.com/office/drawing/2014/main" id="{4A9721F1-8486-FABF-47D5-5D4E06D3706F}"/>
               </a:ext>
             </a:extLst>
           </p:cNvPr>
@@ -13385,7 +13054,7 @@
           <p:cNvPr id="43" name="Rectángulo redondeado 42">
             <a:extLst>
               <a:ext uri="{FF2B5EF4-FFF2-40B4-BE49-F238E27FC236}">
-                <a16:creationId xmlns:a16="http://schemas.microsoft.com/office/drawing/2014/main" xmlns="" id="{2E3356D6-06A9-FDCA-3F43-B334A4D29198}"/>
+                <a16:creationId xmlns="" xmlns:a16="http://schemas.microsoft.com/office/drawing/2014/main" id="{2E3356D6-06A9-FDCA-3F43-B334A4D29198}"/>
               </a:ext>
             </a:extLst>
           </p:cNvPr>
@@ -13447,7 +13116,7 @@
           <p:cNvPr id="44" name="Subtítulo 2">
             <a:extLst>
               <a:ext uri="{FF2B5EF4-FFF2-40B4-BE49-F238E27FC236}">
-                <a16:creationId xmlns:a16="http://schemas.microsoft.com/office/drawing/2014/main" xmlns="" id="{00BE97F6-7CEF-AEEC-C48E-B910863AF22C}"/>
+                <a16:creationId xmlns="" xmlns:a16="http://schemas.microsoft.com/office/drawing/2014/main" id="{00BE97F6-7CEF-AEEC-C48E-B910863AF22C}"/>
               </a:ext>
             </a:extLst>
           </p:cNvPr>
@@ -13722,14 +13391,6 @@
               </a:rPr>
               <a:t>Su resultado es un conjunto de artículos frecuentes, que puede utilizarse para la generación de reglas de asociación</a:t>
             </a:r>
-            <a:endParaRPr lang="es-MX" sz="1200" smtClean="0">
-              <a:solidFill>
-                <a:srgbClr val="3C0E52"/>
-              </a:solidFill>
-              <a:latin typeface="Verdana" panose="020B0604030504040204" pitchFamily="34" charset="0"/>
-              <a:ea typeface="Verdana" panose="020B0604030504040204" pitchFamily="34" charset="0"/>
-              <a:cs typeface="Verdana" panose="020B0604030504040204" pitchFamily="34" charset="0"/>
-            </a:endParaRPr>
           </a:p>
           <a:p>
             <a:pPr algn="l">
@@ -13836,7 +13497,7 @@
           <p:cNvPr id="46" name="Subtítulo 2">
             <a:extLst>
               <a:ext uri="{FF2B5EF4-FFF2-40B4-BE49-F238E27FC236}">
-                <a16:creationId xmlns:a16="http://schemas.microsoft.com/office/drawing/2014/main" xmlns="" id="{EEAA9840-1DE0-DCF3-3422-9AA8880E3B61}"/>
+                <a16:creationId xmlns="" xmlns:a16="http://schemas.microsoft.com/office/drawing/2014/main" id="{EEAA9840-1DE0-DCF3-3422-9AA8880E3B61}"/>
               </a:ext>
             </a:extLst>
           </p:cNvPr>
@@ -14055,7 +13716,7 @@
           <p:cNvPr id="52" name="Elipse 51">
             <a:extLst>
               <a:ext uri="{FF2B5EF4-FFF2-40B4-BE49-F238E27FC236}">
-                <a16:creationId xmlns:a16="http://schemas.microsoft.com/office/drawing/2014/main" xmlns="" id="{D089F680-7193-7D5A-EFD8-1BA8B267AC3A}"/>
+                <a16:creationId xmlns="" xmlns:a16="http://schemas.microsoft.com/office/drawing/2014/main" id="{D089F680-7193-7D5A-EFD8-1BA8B267AC3A}"/>
               </a:ext>
             </a:extLst>
           </p:cNvPr>
@@ -14109,7 +13770,7 @@
           <p:cNvPr id="17" name="Rectangle 68">
             <a:extLst>
               <a:ext uri="{FF2B5EF4-FFF2-40B4-BE49-F238E27FC236}">
-                <a16:creationId xmlns="" xmlns:a16="http://schemas.microsoft.com/office/drawing/2014/main" id="{2E170935-075B-E9F1-39F5-718251B4ECCC}"/>
+                <a16:creationId xmlns:a16="http://schemas.microsoft.com/office/drawing/2014/main" xmlns="" id="{2E170935-075B-E9F1-39F5-718251B4ECCC}"/>
               </a:ext>
             </a:extLst>
           </p:cNvPr>
@@ -14169,7 +13830,7 @@
     <a:masterClrMapping/>
   </p:clrMapOvr>
   <mc:AlternateContent xmlns:mc="http://schemas.openxmlformats.org/markup-compatibility/2006">
-    <mc:Choice xmlns:p159="http://schemas.microsoft.com/office/powerpoint/2015/09/main" xmlns="" Requires="p159">
+    <mc:Choice xmlns="" xmlns:p159="http://schemas.microsoft.com/office/powerpoint/2015/09/main" Requires="p159">
       <p:transition xmlns:p14="http://schemas.microsoft.com/office/powerpoint/2010/main" spd="slow" p14:dur="2000">
         <p159:morph option="byObject"/>
       </p:transition>
@@ -14183,91 +13844,9 @@
   <p:timing>
     <p:tnLst>
       <p:par>
-        <p:cTn id="1" dur="indefinite" restart="never" nodeType="tmRoot">
-          <p:childTnLst>
-            <p:seq concurrent="1" nextAc="seek">
-              <p:cTn id="2" dur="indefinite" nodeType="mainSeq">
-                <p:childTnLst>
-                  <p:par>
-                    <p:cTn id="3" fill="hold">
-                      <p:stCondLst>
-                        <p:cond delay="indefinite"/>
-                        <p:cond evt="onBegin" delay="0">
-                          <p:tn val="2"/>
-                        </p:cond>
-                      </p:stCondLst>
-                      <p:childTnLst>
-                        <p:par>
-                          <p:cTn id="4" fill="hold">
-                            <p:stCondLst>
-                              <p:cond delay="0"/>
-                            </p:stCondLst>
-                            <p:childTnLst>
-                              <p:par>
-                                <p:cTn id="5" presetID="22" presetClass="entr" presetSubtype="8" fill="hold" grpId="0" nodeType="afterEffect">
-                                  <p:stCondLst>
-                                    <p:cond delay="0"/>
-                                  </p:stCondLst>
-                                  <p:childTnLst>
-                                    <p:set>
-                                      <p:cBhvr>
-                                        <p:cTn id="6" dur="1" fill="hold">
-                                          <p:stCondLst>
-                                            <p:cond delay="0"/>
-                                          </p:stCondLst>
-                                        </p:cTn>
-                                        <p:tgtEl>
-                                          <p:spTgt spid="17"/>
-                                        </p:tgtEl>
-                                        <p:attrNameLst>
-                                          <p:attrName>style.visibility</p:attrName>
-                                        </p:attrNameLst>
-                                      </p:cBhvr>
-                                      <p:to>
-                                        <p:strVal val="visible"/>
-                                      </p:to>
-                                    </p:set>
-                                    <p:animEffect transition="in" filter="wipe(left)">
-                                      <p:cBhvr>
-                                        <p:cTn id="7" dur="500"/>
-                                        <p:tgtEl>
-                                          <p:spTgt spid="17"/>
-                                        </p:tgtEl>
-                                      </p:cBhvr>
-                                    </p:animEffect>
-                                  </p:childTnLst>
-                                </p:cTn>
-                              </p:par>
-                            </p:childTnLst>
-                          </p:cTn>
-                        </p:par>
-                      </p:childTnLst>
-                    </p:cTn>
-                  </p:par>
-                </p:childTnLst>
-              </p:cTn>
-              <p:prevCondLst>
-                <p:cond evt="onPrev" delay="0">
-                  <p:tgtEl>
-                    <p:sldTgt/>
-                  </p:tgtEl>
-                </p:cond>
-              </p:prevCondLst>
-              <p:nextCondLst>
-                <p:cond evt="onNext" delay="0">
-                  <p:tgtEl>
-                    <p:sldTgt/>
-                  </p:tgtEl>
-                </p:cond>
-              </p:nextCondLst>
-            </p:seq>
-          </p:childTnLst>
-        </p:cTn>
+        <p:cTn id="1" dur="indefinite" restart="never" nodeType="tmRoot"/>
       </p:par>
     </p:tnLst>
-    <p:bldLst>
-      <p:bldP spid="17" grpId="0"/>
-    </p:bldLst>
   </p:timing>
 </p:sld>
 </file>
@@ -14294,7 +13873,7 @@
           <p:cNvPr id="3" name="Imagen 2">
             <a:extLst>
               <a:ext uri="{FF2B5EF4-FFF2-40B4-BE49-F238E27FC236}">
-                <a16:creationId xmlns="" xmlns:a16="http://schemas.microsoft.com/office/drawing/2014/main" id="{08C4E3FE-E8E8-1FA2-3CB0-D1CC422A969E}"/>
+                <a16:creationId xmlns:a16="http://schemas.microsoft.com/office/drawing/2014/main" xmlns="" id="{08C4E3FE-E8E8-1FA2-3CB0-D1CC422A969E}"/>
               </a:ext>
             </a:extLst>
           </p:cNvPr>
@@ -14324,7 +13903,7 @@
           <p:cNvPr id="6" name="Título 1">
             <a:extLst>
               <a:ext uri="{FF2B5EF4-FFF2-40B4-BE49-F238E27FC236}">
-                <a16:creationId xmlns="" xmlns:a16="http://schemas.microsoft.com/office/drawing/2014/main" id="{A781DE42-8E67-5535-4B61-B54CCAF4FD76}"/>
+                <a16:creationId xmlns:a16="http://schemas.microsoft.com/office/drawing/2014/main" xmlns="" id="{A781DE42-8E67-5535-4B61-B54CCAF4FD76}"/>
               </a:ext>
             </a:extLst>
           </p:cNvPr>
@@ -14391,7 +13970,7 @@
           <p:cNvPr id="10" name="Grupo 9">
             <a:extLst>
               <a:ext uri="{FF2B5EF4-FFF2-40B4-BE49-F238E27FC236}">
-                <a16:creationId xmlns="" xmlns:a16="http://schemas.microsoft.com/office/drawing/2014/main" id="{CB5B3A35-7130-A49C-C69E-40809DEAAE50}"/>
+                <a16:creationId xmlns:a16="http://schemas.microsoft.com/office/drawing/2014/main" xmlns="" id="{CB5B3A35-7130-A49C-C69E-40809DEAAE50}"/>
               </a:ext>
             </a:extLst>
           </p:cNvPr>
@@ -14411,7 +13990,7 @@
             <p:cNvPr id="11" name="Título 1">
               <a:extLst>
                 <a:ext uri="{FF2B5EF4-FFF2-40B4-BE49-F238E27FC236}">
-                  <a16:creationId xmlns="" xmlns:a16="http://schemas.microsoft.com/office/drawing/2014/main" id="{9052FAA3-FC71-D2FA-5C6D-C3DD73479ED2}"/>
+                  <a16:creationId xmlns:a16="http://schemas.microsoft.com/office/drawing/2014/main" xmlns="" id="{9052FAA3-FC71-D2FA-5C6D-C3DD73479ED2}"/>
                 </a:ext>
               </a:extLst>
             </p:cNvPr>
@@ -14489,7 +14068,7 @@
             <p:cNvPr id="12" name="Conector recto 11">
               <a:extLst>
                 <a:ext uri="{FF2B5EF4-FFF2-40B4-BE49-F238E27FC236}">
-                  <a16:creationId xmlns="" xmlns:a16="http://schemas.microsoft.com/office/drawing/2014/main" id="{83D0C0AC-18AE-92F1-6EEF-AA6E84060C51}"/>
+                  <a16:creationId xmlns:a16="http://schemas.microsoft.com/office/drawing/2014/main" xmlns="" id="{83D0C0AC-18AE-92F1-6EEF-AA6E84060C51}"/>
                 </a:ext>
               </a:extLst>
             </p:cNvPr>
@@ -14533,7 +14112,7 @@
           <p:cNvPr id="2" name="Imagen 1">
             <a:extLst>
               <a:ext uri="{FF2B5EF4-FFF2-40B4-BE49-F238E27FC236}">
-                <a16:creationId xmlns="" xmlns:a16="http://schemas.microsoft.com/office/drawing/2014/main" id="{61002D73-D11F-4B9E-E226-ECF6035D87F9}"/>
+                <a16:creationId xmlns:a16="http://schemas.microsoft.com/office/drawing/2014/main" xmlns="" id="{61002D73-D11F-4B9E-E226-ECF6035D87F9}"/>
               </a:ext>
             </a:extLst>
           </p:cNvPr>
@@ -14603,7 +14182,7 @@
           <p:cNvPr id="16" name="Título 1">
             <a:extLst>
               <a:ext uri="{FF2B5EF4-FFF2-40B4-BE49-F238E27FC236}">
-                <a16:creationId xmlns="" xmlns:a16="http://schemas.microsoft.com/office/drawing/2014/main" id="{D5FD1066-7FA1-9BF9-22F0-F52B6DDCD8D0}"/>
+                <a16:creationId xmlns:a16="http://schemas.microsoft.com/office/drawing/2014/main" xmlns="" id="{D5FD1066-7FA1-9BF9-22F0-F52B6DDCD8D0}"/>
               </a:ext>
             </a:extLst>
           </p:cNvPr>
@@ -14827,7 +14406,7 @@
             <a:effectLst/>
             <a:extLst>
               <a:ext uri="{C572A759-6A51-4108-AA02-DFA0A04FC94B}">
-                <ma14:wrappingTextBoxFlag xmlns="" xmlns:m="http://schemas.openxmlformats.org/officeDocument/2006/math" xmlns:a14="http://schemas.microsoft.com/office/drawing/2010/main" xmlns:ma14="http://schemas.microsoft.com/office/mac/drawingml/2011/main" val="1"/>
+                <ma14:wrappingTextBoxFlag xmlns:ma14="http://schemas.microsoft.com/office/mac/drawingml/2011/main" xmlns:a14="http://schemas.microsoft.com/office/drawing/2010/main" xmlns:m="http://schemas.openxmlformats.org/officeDocument/2006/math" xmlns="" val="1"/>
               </a:ext>
             </a:extLst>
           </p:spPr>
@@ -14868,7 +14447,7 @@
     <a:masterClrMapping/>
   </p:clrMapOvr>
   <mc:AlternateContent xmlns:mc="http://schemas.openxmlformats.org/markup-compatibility/2006">
-    <mc:Choice xmlns="" xmlns:p159="http://schemas.microsoft.com/office/powerpoint/2015/09/main" Requires="p159">
+    <mc:Choice xmlns:p159="http://schemas.microsoft.com/office/powerpoint/2015/09/main" xmlns="" Requires="p159">
       <p:transition xmlns:p14="http://schemas.microsoft.com/office/powerpoint/2010/main" spd="slow" p14:dur="2000">
         <p159:morph option="byObject"/>
       </p:transition>
@@ -14882,124 +14461,9 @@
   <p:timing>
     <p:tnLst>
       <p:par>
-        <p:cTn id="1" dur="indefinite" restart="never" nodeType="tmRoot">
-          <p:childTnLst>
-            <p:seq concurrent="1" nextAc="seek">
-              <p:cTn id="2" dur="indefinite" nodeType="mainSeq">
-                <p:childTnLst>
-                  <p:par>
-                    <p:cTn id="3" fill="hold">
-                      <p:stCondLst>
-                        <p:cond delay="indefinite"/>
-                      </p:stCondLst>
-                      <p:childTnLst>
-                        <p:par>
-                          <p:cTn id="4" fill="hold">
-                            <p:stCondLst>
-                              <p:cond delay="0"/>
-                            </p:stCondLst>
-                            <p:childTnLst>
-                              <p:par>
-                                <p:cTn id="5" presetID="1" presetClass="entr" presetSubtype="0" fill="hold" grpId="0" nodeType="clickEffect">
-                                  <p:stCondLst>
-                                    <p:cond delay="0"/>
-                                  </p:stCondLst>
-                                  <p:iterate>
-                                    <p:tmAbs val="0"/>
-                                  </p:iterate>
-                                  <p:childTnLst>
-                                    <p:set>
-                                      <p:cBhvr>
-                                        <p:cTn id="6" fill="hold"/>
-                                        <p:tgtEl>
-                                          <p:spTgt spid="22"/>
-                                        </p:tgtEl>
-                                        <p:attrNameLst>
-                                          <p:attrName>style.visibility</p:attrName>
-                                        </p:attrNameLst>
-                                      </p:cBhvr>
-                                      <p:to>
-                                        <p:strVal val="visible"/>
-                                      </p:to>
-                                    </p:set>
-                                  </p:childTnLst>
-                                </p:cTn>
-                              </p:par>
-                            </p:childTnLst>
-                          </p:cTn>
-                        </p:par>
-                      </p:childTnLst>
-                    </p:cTn>
-                  </p:par>
-                  <p:par>
-                    <p:cTn id="7" fill="hold">
-                      <p:stCondLst>
-                        <p:cond delay="indefinite"/>
-                      </p:stCondLst>
-                      <p:childTnLst>
-                        <p:par>
-                          <p:cTn id="8" fill="hold">
-                            <p:stCondLst>
-                              <p:cond delay="0"/>
-                            </p:stCondLst>
-                            <p:childTnLst>
-                              <p:par>
-                                <p:cTn id="9" presetID="1" presetClass="entr" presetSubtype="0" fill="hold" grpId="0" nodeType="clickEffect">
-                                  <p:stCondLst>
-                                    <p:cond delay="0"/>
-                                  </p:stCondLst>
-                                  <p:iterate>
-                                    <p:tmAbs val="0"/>
-                                  </p:iterate>
-                                  <p:childTnLst>
-                                    <p:set>
-                                      <p:cBhvr>
-                                        <p:cTn id="10" fill="hold"/>
-                                        <p:tgtEl>
-                                          <p:spTgt spid="21"/>
-                                        </p:tgtEl>
-                                        <p:attrNameLst>
-                                          <p:attrName>style.visibility</p:attrName>
-                                        </p:attrNameLst>
-                                      </p:cBhvr>
-                                      <p:to>
-                                        <p:strVal val="visible"/>
-                                      </p:to>
-                                    </p:set>
-                                  </p:childTnLst>
-                                </p:cTn>
-                              </p:par>
-                            </p:childTnLst>
-                          </p:cTn>
-                        </p:par>
-                      </p:childTnLst>
-                    </p:cTn>
-                  </p:par>
-                </p:childTnLst>
-              </p:cTn>
-              <p:prevCondLst>
-                <p:cond evt="onPrev" delay="0">
-                  <p:tgtEl>
-                    <p:sldTgt/>
-                  </p:tgtEl>
-                </p:cond>
-              </p:prevCondLst>
-              <p:nextCondLst>
-                <p:cond evt="onNext" delay="0">
-                  <p:tgtEl>
-                    <p:sldTgt/>
-                  </p:tgtEl>
-                </p:cond>
-              </p:nextCondLst>
-            </p:seq>
-          </p:childTnLst>
-        </p:cTn>
+        <p:cTn id="1" dur="indefinite" restart="never" nodeType="tmRoot"/>
       </p:par>
     </p:tnLst>
-    <p:bldLst>
-      <p:bldP spid="21" grpId="0" animBg="1" advAuto="0"/>
-      <p:bldP spid="22" grpId="0" animBg="1" advAuto="0"/>
-    </p:bldLst>
   </p:timing>
 </p:sld>
 </file>
@@ -15026,7 +14490,7 @@
           <p:cNvPr id="2" name="Marcador de número de diapositiva 1">
             <a:extLst>
               <a:ext uri="{FF2B5EF4-FFF2-40B4-BE49-F238E27FC236}">
-                <a16:creationId xmlns="" xmlns:a16="http://schemas.microsoft.com/office/drawing/2014/main" id="{B59F924D-5E9F-135F-AD9F-3317A129E302}"/>
+                <a16:creationId xmlns:a16="http://schemas.microsoft.com/office/drawing/2014/main" xmlns="" id="{B59F924D-5E9F-135F-AD9F-3317A129E302}"/>
               </a:ext>
             </a:extLst>
           </p:cNvPr>
@@ -15060,7 +14524,7 @@
           <p:cNvPr id="3" name="Imagen 2">
             <a:extLst>
               <a:ext uri="{FF2B5EF4-FFF2-40B4-BE49-F238E27FC236}">
-                <a16:creationId xmlns="" xmlns:a16="http://schemas.microsoft.com/office/drawing/2014/main" id="{3E46917C-C4C0-3976-1C0F-38456FEDD5DC}"/>
+                <a16:creationId xmlns:a16="http://schemas.microsoft.com/office/drawing/2014/main" xmlns="" id="{3E46917C-C4C0-3976-1C0F-38456FEDD5DC}"/>
               </a:ext>
             </a:extLst>
           </p:cNvPr>
@@ -15090,7 +14554,7 @@
           <p:cNvPr id="4" name="Título 1">
             <a:extLst>
               <a:ext uri="{FF2B5EF4-FFF2-40B4-BE49-F238E27FC236}">
-                <a16:creationId xmlns="" xmlns:a16="http://schemas.microsoft.com/office/drawing/2014/main" id="{3A85FA2B-91CE-EC75-C3AE-F7F8C70EBBA3}"/>
+                <a16:creationId xmlns:a16="http://schemas.microsoft.com/office/drawing/2014/main" xmlns="" id="{3A85FA2B-91CE-EC75-C3AE-F7F8C70EBBA3}"/>
               </a:ext>
             </a:extLst>
           </p:cNvPr>
@@ -15160,7 +14624,7 @@
           <p:cNvPr id="5" name="Título 1">
             <a:extLst>
               <a:ext uri="{FF2B5EF4-FFF2-40B4-BE49-F238E27FC236}">
-                <a16:creationId xmlns="" xmlns:a16="http://schemas.microsoft.com/office/drawing/2014/main" id="{570386F6-29EB-76AF-10EB-AC169D26CC9E}"/>
+                <a16:creationId xmlns:a16="http://schemas.microsoft.com/office/drawing/2014/main" xmlns="" id="{570386F6-29EB-76AF-10EB-AC169D26CC9E}"/>
               </a:ext>
             </a:extLst>
           </p:cNvPr>
@@ -15229,7 +14693,7 @@
           <p:cNvPr id="7" name="Elipse 6">
             <a:extLst>
               <a:ext uri="{FF2B5EF4-FFF2-40B4-BE49-F238E27FC236}">
-                <a16:creationId xmlns="" xmlns:a16="http://schemas.microsoft.com/office/drawing/2014/main" id="{3353EE34-6C7E-AE7E-7B20-C7E440F210E7}"/>
+                <a16:creationId xmlns:a16="http://schemas.microsoft.com/office/drawing/2014/main" xmlns="" id="{3353EE34-6C7E-AE7E-7B20-C7E440F210E7}"/>
               </a:ext>
             </a:extLst>
           </p:cNvPr>
@@ -15290,7 +14754,7 @@
           <p:cNvPr id="9" name="Rectángulo redondeado 8">
             <a:extLst>
               <a:ext uri="{FF2B5EF4-FFF2-40B4-BE49-F238E27FC236}">
-                <a16:creationId xmlns="" xmlns:a16="http://schemas.microsoft.com/office/drawing/2014/main" id="{277BA7B5-969F-97FA-876B-9353DE62E89F}"/>
+                <a16:creationId xmlns:a16="http://schemas.microsoft.com/office/drawing/2014/main" xmlns="" id="{277BA7B5-969F-97FA-876B-9353DE62E89F}"/>
               </a:ext>
             </a:extLst>
           </p:cNvPr>
@@ -15344,7 +14808,7 @@
           <p:cNvPr id="10" name="Rectangle 68">
             <a:extLst>
               <a:ext uri="{FF2B5EF4-FFF2-40B4-BE49-F238E27FC236}">
-                <a16:creationId xmlns="" xmlns:a16="http://schemas.microsoft.com/office/drawing/2014/main" id="{2E170935-075B-E9F1-39F5-718251B4ECCC}"/>
+                <a16:creationId xmlns:a16="http://schemas.microsoft.com/office/drawing/2014/main" xmlns="" id="{2E170935-075B-E9F1-39F5-718251B4ECCC}"/>
               </a:ext>
             </a:extLst>
           </p:cNvPr>
@@ -15482,7 +14946,7 @@
             <a:effectLst/>
             <a:extLst>
               <a:ext uri="{C572A759-6A51-4108-AA02-DFA0A04FC94B}">
-                <ma14:wrappingTextBoxFlag xmlns="" xmlns:m="http://schemas.openxmlformats.org/officeDocument/2006/math" xmlns:a14="http://schemas.microsoft.com/office/drawing/2010/main" xmlns:ma14="http://schemas.microsoft.com/office/mac/drawingml/2011/main" val="1"/>
+                <ma14:wrappingTextBoxFlag xmlns:ma14="http://schemas.microsoft.com/office/mac/drawingml/2011/main" xmlns:a14="http://schemas.microsoft.com/office/drawing/2010/main" xmlns:m="http://schemas.openxmlformats.org/officeDocument/2006/math" xmlns="" val="1"/>
               </a:ext>
             </a:extLst>
           </p:spPr>
@@ -15617,7 +15081,7 @@
             <a:effectLst/>
             <a:extLst>
               <a:ext uri="{C572A759-6A51-4108-AA02-DFA0A04FC94B}">
-                <ma14:wrappingTextBoxFlag xmlns="" xmlns:m="http://schemas.openxmlformats.org/officeDocument/2006/math" xmlns:a14="http://schemas.microsoft.com/office/drawing/2010/main" xmlns:ma14="http://schemas.microsoft.com/office/mac/drawingml/2011/main" val="1"/>
+                <ma14:wrappingTextBoxFlag xmlns:ma14="http://schemas.microsoft.com/office/mac/drawingml/2011/main" xmlns:a14="http://schemas.microsoft.com/office/drawing/2010/main" xmlns:m="http://schemas.openxmlformats.org/officeDocument/2006/math" xmlns="" val="1"/>
               </a:ext>
             </a:extLst>
           </p:spPr>
@@ -15726,7 +15190,7 @@
           <p:cNvPr id="22" name="Rectangle 68">
             <a:extLst>
               <a:ext uri="{FF2B5EF4-FFF2-40B4-BE49-F238E27FC236}">
-                <a16:creationId xmlns="" xmlns:a16="http://schemas.microsoft.com/office/drawing/2014/main" id="{2E170935-075B-E9F1-39F5-718251B4ECCC}"/>
+                <a16:creationId xmlns:a16="http://schemas.microsoft.com/office/drawing/2014/main" xmlns="" id="{2E170935-075B-E9F1-39F5-718251B4ECCC}"/>
               </a:ext>
             </a:extLst>
           </p:cNvPr>
@@ -15785,139 +15249,24 @@
   <p:clrMapOvr>
     <a:masterClrMapping/>
   </p:clrMapOvr>
+  <mc:AlternateContent xmlns:mc="http://schemas.openxmlformats.org/markup-compatibility/2006">
+    <mc:Choice xmlns:p14="http://schemas.microsoft.com/office/powerpoint/2010/main" Requires="p14">
+      <p:transition spd="med" p14:dur="700">
+        <p:fade/>
+      </p:transition>
+    </mc:Choice>
+    <mc:Fallback>
+      <p:transition spd="med">
+        <p:fade/>
+      </p:transition>
+    </mc:Fallback>
+  </mc:AlternateContent>
   <p:timing>
     <p:tnLst>
       <p:par>
-        <p:cTn id="1" dur="indefinite" restart="never" nodeType="tmRoot">
-          <p:childTnLst>
-            <p:seq concurrent="1" nextAc="seek">
-              <p:cTn id="2" dur="indefinite" nodeType="mainSeq">
-                <p:childTnLst>
-                  <p:par>
-                    <p:cTn id="3" fill="hold">
-                      <p:stCondLst>
-                        <p:cond delay="indefinite"/>
-                        <p:cond evt="onBegin" delay="0">
-                          <p:tn val="2"/>
-                        </p:cond>
-                      </p:stCondLst>
-                      <p:childTnLst>
-                        <p:par>
-                          <p:cTn id="4" fill="hold">
-                            <p:stCondLst>
-                              <p:cond delay="0"/>
-                            </p:stCondLst>
-                            <p:childTnLst>
-                              <p:par>
-                                <p:cTn id="5" presetID="22" presetClass="entr" presetSubtype="8" fill="hold" grpId="0" nodeType="afterEffect">
-                                  <p:stCondLst>
-                                    <p:cond delay="0"/>
-                                  </p:stCondLst>
-                                  <p:childTnLst>
-                                    <p:set>
-                                      <p:cBhvr>
-                                        <p:cTn id="6" dur="1" fill="hold">
-                                          <p:stCondLst>
-                                            <p:cond delay="0"/>
-                                          </p:stCondLst>
-                                        </p:cTn>
-                                        <p:tgtEl>
-                                          <p:spTgt spid="10"/>
-                                        </p:tgtEl>
-                                        <p:attrNameLst>
-                                          <p:attrName>style.visibility</p:attrName>
-                                        </p:attrNameLst>
-                                      </p:cBhvr>
-                                      <p:to>
-                                        <p:strVal val="visible"/>
-                                      </p:to>
-                                    </p:set>
-                                    <p:animEffect transition="in" filter="wipe(left)">
-                                      <p:cBhvr>
-                                        <p:cTn id="7" dur="500"/>
-                                        <p:tgtEl>
-                                          <p:spTgt spid="10"/>
-                                        </p:tgtEl>
-                                      </p:cBhvr>
-                                    </p:animEffect>
-                                  </p:childTnLst>
-                                </p:cTn>
-                              </p:par>
-                            </p:childTnLst>
-                          </p:cTn>
-                        </p:par>
-                        <p:par>
-                          <p:cTn id="8" fill="hold">
-                            <p:stCondLst>
-                              <p:cond delay="500"/>
-                            </p:stCondLst>
-                            <p:childTnLst>
-                              <p:par>
-                                <p:cTn id="9" presetID="22" presetClass="entr" presetSubtype="8" fill="hold" grpId="0" nodeType="afterEffect">
-                                  <p:stCondLst>
-                                    <p:cond delay="0"/>
-                                  </p:stCondLst>
-                                  <p:childTnLst>
-                                    <p:set>
-                                      <p:cBhvr>
-                                        <p:cTn id="10" dur="1" fill="hold">
-                                          <p:stCondLst>
-                                            <p:cond delay="0"/>
-                                          </p:stCondLst>
-                                        </p:cTn>
-                                        <p:tgtEl>
-                                          <p:spTgt spid="22"/>
-                                        </p:tgtEl>
-                                        <p:attrNameLst>
-                                          <p:attrName>style.visibility</p:attrName>
-                                        </p:attrNameLst>
-                                      </p:cBhvr>
-                                      <p:to>
-                                        <p:strVal val="visible"/>
-                                      </p:to>
-                                    </p:set>
-                                    <p:animEffect transition="in" filter="wipe(left)">
-                                      <p:cBhvr>
-                                        <p:cTn id="11" dur="500"/>
-                                        <p:tgtEl>
-                                          <p:spTgt spid="22"/>
-                                        </p:tgtEl>
-                                      </p:cBhvr>
-                                    </p:animEffect>
-                                  </p:childTnLst>
-                                </p:cTn>
-                              </p:par>
-                            </p:childTnLst>
-                          </p:cTn>
-                        </p:par>
-                      </p:childTnLst>
-                    </p:cTn>
-                  </p:par>
-                </p:childTnLst>
-              </p:cTn>
-              <p:prevCondLst>
-                <p:cond evt="onPrev" delay="0">
-                  <p:tgtEl>
-                    <p:sldTgt/>
-                  </p:tgtEl>
-                </p:cond>
-              </p:prevCondLst>
-              <p:nextCondLst>
-                <p:cond evt="onNext" delay="0">
-                  <p:tgtEl>
-                    <p:sldTgt/>
-                  </p:tgtEl>
-                </p:cond>
-              </p:nextCondLst>
-            </p:seq>
-          </p:childTnLst>
-        </p:cTn>
+        <p:cTn id="1" dur="indefinite" restart="never" nodeType="tmRoot"/>
       </p:par>
     </p:tnLst>
-    <p:bldLst>
-      <p:bldP spid="10" grpId="0"/>
-      <p:bldP spid="22" grpId="0"/>
-    </p:bldLst>
   </p:timing>
 </p:sld>
 </file>
@@ -15944,7 +15293,7 @@
           <p:cNvPr id="2" name="Marcador de número de diapositiva 1">
             <a:extLst>
               <a:ext uri="{FF2B5EF4-FFF2-40B4-BE49-F238E27FC236}">
-                <a16:creationId xmlns="" xmlns:a16="http://schemas.microsoft.com/office/drawing/2014/main" id="{B59F924D-5E9F-135F-AD9F-3317A129E302}"/>
+                <a16:creationId xmlns:a16="http://schemas.microsoft.com/office/drawing/2014/main" xmlns="" id="{B59F924D-5E9F-135F-AD9F-3317A129E302}"/>
               </a:ext>
             </a:extLst>
           </p:cNvPr>
@@ -15978,7 +15327,7 @@
           <p:cNvPr id="3" name="Imagen 2">
             <a:extLst>
               <a:ext uri="{FF2B5EF4-FFF2-40B4-BE49-F238E27FC236}">
-                <a16:creationId xmlns="" xmlns:a16="http://schemas.microsoft.com/office/drawing/2014/main" id="{3E46917C-C4C0-3976-1C0F-38456FEDD5DC}"/>
+                <a16:creationId xmlns:a16="http://schemas.microsoft.com/office/drawing/2014/main" xmlns="" id="{3E46917C-C4C0-3976-1C0F-38456FEDD5DC}"/>
               </a:ext>
             </a:extLst>
           </p:cNvPr>
@@ -16008,7 +15357,7 @@
           <p:cNvPr id="4" name="Título 1">
             <a:extLst>
               <a:ext uri="{FF2B5EF4-FFF2-40B4-BE49-F238E27FC236}">
-                <a16:creationId xmlns="" xmlns:a16="http://schemas.microsoft.com/office/drawing/2014/main" id="{3A85FA2B-91CE-EC75-C3AE-F7F8C70EBBA3}"/>
+                <a16:creationId xmlns:a16="http://schemas.microsoft.com/office/drawing/2014/main" xmlns="" id="{3A85FA2B-91CE-EC75-C3AE-F7F8C70EBBA3}"/>
               </a:ext>
             </a:extLst>
           </p:cNvPr>
@@ -16078,7 +15427,7 @@
           <p:cNvPr id="5" name="Título 1">
             <a:extLst>
               <a:ext uri="{FF2B5EF4-FFF2-40B4-BE49-F238E27FC236}">
-                <a16:creationId xmlns="" xmlns:a16="http://schemas.microsoft.com/office/drawing/2014/main" id="{570386F6-29EB-76AF-10EB-AC169D26CC9E}"/>
+                <a16:creationId xmlns:a16="http://schemas.microsoft.com/office/drawing/2014/main" xmlns="" id="{570386F6-29EB-76AF-10EB-AC169D26CC9E}"/>
               </a:ext>
             </a:extLst>
           </p:cNvPr>
@@ -16147,7 +15496,7 @@
           <p:cNvPr id="7" name="Elipse 6">
             <a:extLst>
               <a:ext uri="{FF2B5EF4-FFF2-40B4-BE49-F238E27FC236}">
-                <a16:creationId xmlns="" xmlns:a16="http://schemas.microsoft.com/office/drawing/2014/main" id="{3353EE34-6C7E-AE7E-7B20-C7E440F210E7}"/>
+                <a16:creationId xmlns:a16="http://schemas.microsoft.com/office/drawing/2014/main" xmlns="" id="{3353EE34-6C7E-AE7E-7B20-C7E440F210E7}"/>
               </a:ext>
             </a:extLst>
           </p:cNvPr>
@@ -19721,7 +19070,7 @@
             <a:effectLst/>
             <a:extLst>
               <a:ext uri="{C572A759-6A51-4108-AA02-DFA0A04FC94B}">
-                <ma14:wrappingTextBoxFlag xmlns="" xmlns:m="http://schemas.openxmlformats.org/officeDocument/2006/math" xmlns:a14="http://schemas.microsoft.com/office/drawing/2010/main" xmlns:ma14="http://schemas.microsoft.com/office/mac/drawingml/2011/main" val="1"/>
+                <ma14:wrappingTextBoxFlag xmlns:ma14="http://schemas.microsoft.com/office/mac/drawingml/2011/main" xmlns:a14="http://schemas.microsoft.com/office/drawing/2010/main" xmlns:m="http://schemas.openxmlformats.org/officeDocument/2006/math" xmlns="" val="1"/>
               </a:ext>
             </a:extLst>
           </p:spPr>
@@ -19764,539 +19113,24 @@
   <p:clrMapOvr>
     <a:masterClrMapping/>
   </p:clrMapOvr>
+  <mc:AlternateContent xmlns:mc="http://schemas.openxmlformats.org/markup-compatibility/2006">
+    <mc:Choice xmlns:p14="http://schemas.microsoft.com/office/powerpoint/2010/main" Requires="p14">
+      <p:transition spd="med" p14:dur="700">
+        <p:fade/>
+      </p:transition>
+    </mc:Choice>
+    <mc:Fallback>
+      <p:transition spd="med">
+        <p:fade/>
+      </p:transition>
+    </mc:Fallback>
+  </mc:AlternateContent>
   <p:timing>
     <p:tnLst>
       <p:par>
-        <p:cTn id="1" dur="indefinite" restart="never" nodeType="tmRoot">
-          <p:childTnLst>
-            <p:seq concurrent="1" nextAc="seek">
-              <p:cTn id="2" dur="indefinite" nodeType="mainSeq">
-                <p:childTnLst>
-                  <p:par>
-                    <p:cTn id="3" fill="hold">
-                      <p:stCondLst>
-                        <p:cond delay="indefinite"/>
-                      </p:stCondLst>
-                      <p:childTnLst>
-                        <p:par>
-                          <p:cTn id="4" fill="hold">
-                            <p:stCondLst>
-                              <p:cond delay="0"/>
-                            </p:stCondLst>
-                            <p:childTnLst>
-                              <p:par>
-                                <p:cTn id="5" presetID="9" presetClass="entr" fill="hold" grpId="0" nodeType="clickEffect">
-                                  <p:stCondLst>
-                                    <p:cond delay="0"/>
-                                  </p:stCondLst>
-                                  <p:iterate>
-                                    <p:tmAbs val="0"/>
-                                  </p:iterate>
-                                  <p:childTnLst>
-                                    <p:set>
-                                      <p:cBhvr>
-                                        <p:cTn id="6" fill="hold"/>
-                                        <p:tgtEl>
-                                          <p:spTgt spid="127"/>
-                                        </p:tgtEl>
-                                        <p:attrNameLst>
-                                          <p:attrName>style.visibility</p:attrName>
-                                        </p:attrNameLst>
-                                      </p:cBhvr>
-                                      <p:to>
-                                        <p:strVal val="visible"/>
-                                      </p:to>
-                                    </p:set>
-                                    <p:animEffect transition="in" filter="dissolve">
-                                      <p:cBhvr>
-                                        <p:cTn id="7" dur="1000"/>
-                                        <p:tgtEl>
-                                          <p:spTgt spid="127"/>
-                                        </p:tgtEl>
-                                      </p:cBhvr>
-                                    </p:animEffect>
-                                  </p:childTnLst>
-                                </p:cTn>
-                              </p:par>
-                            </p:childTnLst>
-                          </p:cTn>
-                        </p:par>
-                        <p:par>
-                          <p:cTn id="8" fill="hold">
-                            <p:stCondLst>
-                              <p:cond delay="1000"/>
-                            </p:stCondLst>
-                            <p:childTnLst>
-                              <p:par>
-                                <p:cTn id="9" presetID="9" presetClass="entr" fill="hold" grpId="0" nodeType="afterEffect">
-                                  <p:stCondLst>
-                                    <p:cond delay="300"/>
-                                  </p:stCondLst>
-                                  <p:iterate>
-                                    <p:tmAbs val="0"/>
-                                  </p:iterate>
-                                  <p:childTnLst>
-                                    <p:set>
-                                      <p:cBhvr>
-                                        <p:cTn id="10" fill="hold"/>
-                                        <p:tgtEl>
-                                          <p:spTgt spid="126"/>
-                                        </p:tgtEl>
-                                        <p:attrNameLst>
-                                          <p:attrName>style.visibility</p:attrName>
-                                        </p:attrNameLst>
-                                      </p:cBhvr>
-                                      <p:to>
-                                        <p:strVal val="visible"/>
-                                      </p:to>
-                                    </p:set>
-                                    <p:animEffect transition="in" filter="dissolve">
-                                      <p:cBhvr>
-                                        <p:cTn id="11" dur="1000"/>
-                                        <p:tgtEl>
-                                          <p:spTgt spid="126"/>
-                                        </p:tgtEl>
-                                      </p:cBhvr>
-                                    </p:animEffect>
-                                  </p:childTnLst>
-                                </p:cTn>
-                              </p:par>
-                            </p:childTnLst>
-                          </p:cTn>
-                        </p:par>
-                        <p:par>
-                          <p:cTn id="12" fill="hold">
-                            <p:stCondLst>
-                              <p:cond delay="2300"/>
-                            </p:stCondLst>
-                            <p:childTnLst>
-                              <p:par>
-                                <p:cTn id="13" presetID="9" presetClass="entr" fill="hold" grpId="0" nodeType="afterEffect">
-                                  <p:stCondLst>
-                                    <p:cond delay="600"/>
-                                  </p:stCondLst>
-                                  <p:iterate>
-                                    <p:tmAbs val="0"/>
-                                  </p:iterate>
-                                  <p:childTnLst>
-                                    <p:set>
-                                      <p:cBhvr>
-                                        <p:cTn id="14" fill="hold"/>
-                                        <p:tgtEl>
-                                          <p:spTgt spid="122"/>
-                                        </p:tgtEl>
-                                        <p:attrNameLst>
-                                          <p:attrName>style.visibility</p:attrName>
-                                        </p:attrNameLst>
-                                      </p:cBhvr>
-                                      <p:to>
-                                        <p:strVal val="visible"/>
-                                      </p:to>
-                                    </p:set>
-                                    <p:animEffect transition="in" filter="dissolve">
-                                      <p:cBhvr>
-                                        <p:cTn id="15" dur="1000"/>
-                                        <p:tgtEl>
-                                          <p:spTgt spid="122"/>
-                                        </p:tgtEl>
-                                      </p:cBhvr>
-                                    </p:animEffect>
-                                  </p:childTnLst>
-                                </p:cTn>
-                              </p:par>
-                            </p:childTnLst>
-                          </p:cTn>
-                        </p:par>
-                        <p:par>
-                          <p:cTn id="16" fill="hold">
-                            <p:stCondLst>
-                              <p:cond delay="3900"/>
-                            </p:stCondLst>
-                            <p:childTnLst>
-                              <p:par>
-                                <p:cTn id="17" presetID="9" presetClass="entr" fill="hold" grpId="0" nodeType="afterEffect">
-                                  <p:stCondLst>
-                                    <p:cond delay="900"/>
-                                  </p:stCondLst>
-                                  <p:iterate>
-                                    <p:tmAbs val="0"/>
-                                  </p:iterate>
-                                  <p:childTnLst>
-                                    <p:set>
-                                      <p:cBhvr>
-                                        <p:cTn id="18" fill="hold"/>
-                                        <p:tgtEl>
-                                          <p:spTgt spid="123"/>
-                                        </p:tgtEl>
-                                        <p:attrNameLst>
-                                          <p:attrName>style.visibility</p:attrName>
-                                        </p:attrNameLst>
-                                      </p:cBhvr>
-                                      <p:to>
-                                        <p:strVal val="visible"/>
-                                      </p:to>
-                                    </p:set>
-                                    <p:animEffect transition="in" filter="dissolve">
-                                      <p:cBhvr>
-                                        <p:cTn id="19" dur="1000"/>
-                                        <p:tgtEl>
-                                          <p:spTgt spid="123"/>
-                                        </p:tgtEl>
-                                      </p:cBhvr>
-                                    </p:animEffect>
-                                  </p:childTnLst>
-                                </p:cTn>
-                              </p:par>
-                            </p:childTnLst>
-                          </p:cTn>
-                        </p:par>
-                        <p:par>
-                          <p:cTn id="20" fill="hold">
-                            <p:stCondLst>
-                              <p:cond delay="5800"/>
-                            </p:stCondLst>
-                            <p:childTnLst>
-                              <p:par>
-                                <p:cTn id="21" presetID="9" presetClass="entr" fill="hold" grpId="0" nodeType="afterEffect">
-                                  <p:stCondLst>
-                                    <p:cond delay="1200"/>
-                                  </p:stCondLst>
-                                  <p:iterate>
-                                    <p:tmAbs val="0"/>
-                                  </p:iterate>
-                                  <p:childTnLst>
-                                    <p:set>
-                                      <p:cBhvr>
-                                        <p:cTn id="22" fill="hold"/>
-                                        <p:tgtEl>
-                                          <p:spTgt spid="125"/>
-                                        </p:tgtEl>
-                                        <p:attrNameLst>
-                                          <p:attrName>style.visibility</p:attrName>
-                                        </p:attrNameLst>
-                                      </p:cBhvr>
-                                      <p:to>
-                                        <p:strVal val="visible"/>
-                                      </p:to>
-                                    </p:set>
-                                    <p:animEffect transition="in" filter="dissolve">
-                                      <p:cBhvr>
-                                        <p:cTn id="23" dur="1000"/>
-                                        <p:tgtEl>
-                                          <p:spTgt spid="125"/>
-                                        </p:tgtEl>
-                                      </p:cBhvr>
-                                    </p:animEffect>
-                                  </p:childTnLst>
-                                </p:cTn>
-                              </p:par>
-                            </p:childTnLst>
-                          </p:cTn>
-                        </p:par>
-                        <p:par>
-                          <p:cTn id="24" fill="hold">
-                            <p:stCondLst>
-                              <p:cond delay="8000"/>
-                            </p:stCondLst>
-                            <p:childTnLst>
-                              <p:par>
-                                <p:cTn id="25" presetID="9" presetClass="entr" fill="hold" grpId="0" nodeType="afterEffect">
-                                  <p:stCondLst>
-                                    <p:cond delay="1500"/>
-                                  </p:stCondLst>
-                                  <p:iterate>
-                                    <p:tmAbs val="0"/>
-                                  </p:iterate>
-                                  <p:childTnLst>
-                                    <p:set>
-                                      <p:cBhvr>
-                                        <p:cTn id="26" fill="hold"/>
-                                        <p:tgtEl>
-                                          <p:spTgt spid="124"/>
-                                        </p:tgtEl>
-                                        <p:attrNameLst>
-                                          <p:attrName>style.visibility</p:attrName>
-                                        </p:attrNameLst>
-                                      </p:cBhvr>
-                                      <p:to>
-                                        <p:strVal val="visible"/>
-                                      </p:to>
-                                    </p:set>
-                                    <p:animEffect transition="in" filter="dissolve">
-                                      <p:cBhvr>
-                                        <p:cTn id="27" dur="1000"/>
-                                        <p:tgtEl>
-                                          <p:spTgt spid="124"/>
-                                        </p:tgtEl>
-                                      </p:cBhvr>
-                                    </p:animEffect>
-                                  </p:childTnLst>
-                                </p:cTn>
-                              </p:par>
-                            </p:childTnLst>
-                          </p:cTn>
-                        </p:par>
-                        <p:par>
-                          <p:cTn id="28" fill="hold">
-                            <p:stCondLst>
-                              <p:cond delay="10500"/>
-                            </p:stCondLst>
-                            <p:childTnLst>
-                              <p:par>
-                                <p:cTn id="29" presetID="9" presetClass="entr" fill="hold" grpId="0" nodeType="afterEffect">
-                                  <p:stCondLst>
-                                    <p:cond delay="1800"/>
-                                  </p:stCondLst>
-                                  <p:iterate>
-                                    <p:tmAbs val="0"/>
-                                  </p:iterate>
-                                  <p:childTnLst>
-                                    <p:set>
-                                      <p:cBhvr>
-                                        <p:cTn id="30" fill="hold"/>
-                                        <p:tgtEl>
-                                          <p:spTgt spid="128"/>
-                                        </p:tgtEl>
-                                        <p:attrNameLst>
-                                          <p:attrName>style.visibility</p:attrName>
-                                        </p:attrNameLst>
-                                      </p:cBhvr>
-                                      <p:to>
-                                        <p:strVal val="visible"/>
-                                      </p:to>
-                                    </p:set>
-                                    <p:animEffect transition="in" filter="dissolve">
-                                      <p:cBhvr>
-                                        <p:cTn id="31" dur="1000"/>
-                                        <p:tgtEl>
-                                          <p:spTgt spid="128"/>
-                                        </p:tgtEl>
-                                      </p:cBhvr>
-                                    </p:animEffect>
-                                  </p:childTnLst>
-                                </p:cTn>
-                              </p:par>
-                            </p:childTnLst>
-                          </p:cTn>
-                        </p:par>
-                        <p:par>
-                          <p:cTn id="32" fill="hold">
-                            <p:stCondLst>
-                              <p:cond delay="13300"/>
-                            </p:stCondLst>
-                            <p:childTnLst>
-                              <p:par>
-                                <p:cTn id="33" presetID="9" presetClass="entr" fill="hold" grpId="0" nodeType="afterEffect">
-                                  <p:stCondLst>
-                                    <p:cond delay="2100"/>
-                                  </p:stCondLst>
-                                  <p:iterate>
-                                    <p:tmAbs val="0"/>
-                                  </p:iterate>
-                                  <p:childTnLst>
-                                    <p:set>
-                                      <p:cBhvr>
-                                        <p:cTn id="34" fill="hold"/>
-                                        <p:tgtEl>
-                                          <p:spTgt spid="130"/>
-                                        </p:tgtEl>
-                                        <p:attrNameLst>
-                                          <p:attrName>style.visibility</p:attrName>
-                                        </p:attrNameLst>
-                                      </p:cBhvr>
-                                      <p:to>
-                                        <p:strVal val="visible"/>
-                                      </p:to>
-                                    </p:set>
-                                    <p:animEffect transition="in" filter="dissolve">
-                                      <p:cBhvr>
-                                        <p:cTn id="35" dur="1000"/>
-                                        <p:tgtEl>
-                                          <p:spTgt spid="130"/>
-                                        </p:tgtEl>
-                                      </p:cBhvr>
-                                    </p:animEffect>
-                                  </p:childTnLst>
-                                </p:cTn>
-                              </p:par>
-                            </p:childTnLst>
-                          </p:cTn>
-                        </p:par>
-                        <p:par>
-                          <p:cTn id="36" fill="hold">
-                            <p:stCondLst>
-                              <p:cond delay="16400"/>
-                            </p:stCondLst>
-                            <p:childTnLst>
-                              <p:par>
-                                <p:cTn id="37" presetID="9" presetClass="entr" fill="hold" grpId="0" nodeType="afterEffect">
-                                  <p:stCondLst>
-                                    <p:cond delay="2400"/>
-                                  </p:stCondLst>
-                                  <p:iterate>
-                                    <p:tmAbs val="0"/>
-                                  </p:iterate>
-                                  <p:childTnLst>
-                                    <p:set>
-                                      <p:cBhvr>
-                                        <p:cTn id="38" fill="hold"/>
-                                        <p:tgtEl>
-                                          <p:spTgt spid="131"/>
-                                        </p:tgtEl>
-                                        <p:attrNameLst>
-                                          <p:attrName>style.visibility</p:attrName>
-                                        </p:attrNameLst>
-                                      </p:cBhvr>
-                                      <p:to>
-                                        <p:strVal val="visible"/>
-                                      </p:to>
-                                    </p:set>
-                                    <p:animEffect transition="in" filter="dissolve">
-                                      <p:cBhvr>
-                                        <p:cTn id="39" dur="1000"/>
-                                        <p:tgtEl>
-                                          <p:spTgt spid="131"/>
-                                        </p:tgtEl>
-                                      </p:cBhvr>
-                                    </p:animEffect>
-                                  </p:childTnLst>
-                                </p:cTn>
-                              </p:par>
-                            </p:childTnLst>
-                          </p:cTn>
-                        </p:par>
-                        <p:par>
-                          <p:cTn id="40" fill="hold">
-                            <p:stCondLst>
-                              <p:cond delay="19800"/>
-                            </p:stCondLst>
-                            <p:childTnLst>
-                              <p:par>
-                                <p:cTn id="41" presetID="9" presetClass="entr" fill="hold" grpId="0" nodeType="afterEffect">
-                                  <p:stCondLst>
-                                    <p:cond delay="2700"/>
-                                  </p:stCondLst>
-                                  <p:iterate>
-                                    <p:tmAbs val="0"/>
-                                  </p:iterate>
-                                  <p:childTnLst>
-                                    <p:set>
-                                      <p:cBhvr>
-                                        <p:cTn id="42" fill="hold"/>
-                                        <p:tgtEl>
-                                          <p:spTgt spid="129"/>
-                                        </p:tgtEl>
-                                        <p:attrNameLst>
-                                          <p:attrName>style.visibility</p:attrName>
-                                        </p:attrNameLst>
-                                      </p:cBhvr>
-                                      <p:to>
-                                        <p:strVal val="visible"/>
-                                      </p:to>
-                                    </p:set>
-                                    <p:animEffect transition="in" filter="dissolve">
-                                      <p:cBhvr>
-                                        <p:cTn id="43" dur="1000"/>
-                                        <p:tgtEl>
-                                          <p:spTgt spid="129"/>
-                                        </p:tgtEl>
-                                      </p:cBhvr>
-                                    </p:animEffect>
-                                  </p:childTnLst>
-                                </p:cTn>
-                              </p:par>
-                            </p:childTnLst>
-                          </p:cTn>
-                        </p:par>
-                      </p:childTnLst>
-                    </p:cTn>
-                  </p:par>
-                  <p:par>
-                    <p:cTn id="44" fill="hold">
-                      <p:stCondLst>
-                        <p:cond delay="indefinite"/>
-                      </p:stCondLst>
-                      <p:childTnLst>
-                        <p:par>
-                          <p:cTn id="45" fill="hold">
-                            <p:stCondLst>
-                              <p:cond delay="0"/>
-                            </p:stCondLst>
-                            <p:childTnLst>
-                              <p:par>
-                                <p:cTn id="46" presetID="9" presetClass="entr" fill="hold" grpId="0" nodeType="clickEffect">
-                                  <p:stCondLst>
-                                    <p:cond delay="0"/>
-                                  </p:stCondLst>
-                                  <p:iterate>
-                                    <p:tmAbs val="0"/>
-                                  </p:iterate>
-                                  <p:childTnLst>
-                                    <p:set>
-                                      <p:cBhvr>
-                                        <p:cTn id="47" fill="hold"/>
-                                        <p:tgtEl>
-                                          <p:spTgt spid="132"/>
-                                        </p:tgtEl>
-                                        <p:attrNameLst>
-                                          <p:attrName>style.visibility</p:attrName>
-                                        </p:attrNameLst>
-                                      </p:cBhvr>
-                                      <p:to>
-                                        <p:strVal val="visible"/>
-                                      </p:to>
-                                    </p:set>
-                                    <p:animEffect transition="in" filter="dissolve">
-                                      <p:cBhvr>
-                                        <p:cTn id="48" dur="500"/>
-                                        <p:tgtEl>
-                                          <p:spTgt spid="132"/>
-                                        </p:tgtEl>
-                                      </p:cBhvr>
-                                    </p:animEffect>
-                                  </p:childTnLst>
-                                </p:cTn>
-                              </p:par>
-                            </p:childTnLst>
-                          </p:cTn>
-                        </p:par>
-                      </p:childTnLst>
-                    </p:cTn>
-                  </p:par>
-                </p:childTnLst>
-              </p:cTn>
-              <p:prevCondLst>
-                <p:cond evt="onPrev" delay="0">
-                  <p:tgtEl>
-                    <p:sldTgt/>
-                  </p:tgtEl>
-                </p:cond>
-              </p:prevCondLst>
-              <p:nextCondLst>
-                <p:cond evt="onNext" delay="0">
-                  <p:tgtEl>
-                    <p:sldTgt/>
-                  </p:tgtEl>
-                </p:cond>
-              </p:nextCondLst>
-            </p:seq>
-          </p:childTnLst>
-        </p:cTn>
+        <p:cTn id="1" dur="indefinite" restart="never" nodeType="tmRoot"/>
       </p:par>
     </p:tnLst>
-    <p:bldLst>
-      <p:bldP spid="122" grpId="0" animBg="1" advAuto="0"/>
-      <p:bldP spid="123" grpId="0" animBg="1" advAuto="0"/>
-      <p:bldP spid="124" grpId="0" animBg="1" advAuto="0"/>
-      <p:bldP spid="125" grpId="0" animBg="1" advAuto="0"/>
-      <p:bldP spid="126" grpId="0" animBg="1" advAuto="0"/>
-      <p:bldP spid="127" grpId="0" animBg="1" advAuto="0"/>
-      <p:bldP spid="128" grpId="0" animBg="1" advAuto="0"/>
-      <p:bldP spid="129" grpId="0" animBg="1" advAuto="0"/>
-      <p:bldP spid="130" grpId="0" animBg="1" advAuto="0"/>
-      <p:bldP spid="131" grpId="0" animBg="1" advAuto="0"/>
-      <p:bldP spid="132" grpId="0" advAuto="0"/>
-    </p:bldLst>
   </p:timing>
 </p:sld>
 </file>
@@ -20323,7 +19157,7 @@
           <p:cNvPr id="16" name="Título 1">
             <a:extLst>
               <a:ext uri="{FF2B5EF4-FFF2-40B4-BE49-F238E27FC236}">
-                <a16:creationId xmlns:a16="http://schemas.microsoft.com/office/drawing/2014/main" xmlns="" id="{D5FD1066-7FA1-9BF9-22F0-F52B6DDCD8D0}"/>
+                <a16:creationId xmlns="" xmlns:a16="http://schemas.microsoft.com/office/drawing/2014/main" id="{D5FD1066-7FA1-9BF9-22F0-F52B6DDCD8D0}"/>
               </a:ext>
             </a:extLst>
           </p:cNvPr>
@@ -20458,7 +19292,7 @@
             <a:effectLst/>
             <a:extLst>
               <a:ext uri="{C572A759-6A51-4108-AA02-DFA0A04FC94B}">
-                <ma14:wrappingTextBoxFlag xmlns:ma14="http://schemas.microsoft.com/office/mac/drawingml/2011/main" xmlns:a14="http://schemas.microsoft.com/office/drawing/2010/main" xmlns:m="http://schemas.openxmlformats.org/officeDocument/2006/math" xmlns="" val="1"/>
+                <ma14:wrappingTextBoxFlag xmlns="" xmlns:m="http://schemas.openxmlformats.org/officeDocument/2006/math" xmlns:a14="http://schemas.microsoft.com/office/drawing/2010/main" xmlns:ma14="http://schemas.microsoft.com/office/mac/drawingml/2011/main" val="1"/>
               </a:ext>
             </a:extLst>
           </p:spPr>
@@ -20630,7 +19464,7 @@
             <a:effectLst/>
             <a:extLst>
               <a:ext uri="{C572A759-6A51-4108-AA02-DFA0A04FC94B}">
-                <ma14:wrappingTextBoxFlag xmlns:ma14="http://schemas.microsoft.com/office/mac/drawingml/2011/main" xmlns:a14="http://schemas.microsoft.com/office/drawing/2010/main" xmlns:m="http://schemas.openxmlformats.org/officeDocument/2006/math" xmlns="" val="1"/>
+                <ma14:wrappingTextBoxFlag xmlns="" xmlns:m="http://schemas.openxmlformats.org/officeDocument/2006/math" xmlns:a14="http://schemas.microsoft.com/office/drawing/2010/main" xmlns:ma14="http://schemas.microsoft.com/office/mac/drawingml/2011/main" val="1"/>
               </a:ext>
             </a:extLst>
           </p:spPr>
@@ -20802,7 +19636,7 @@
             <a:effectLst/>
             <a:extLst>
               <a:ext uri="{C572A759-6A51-4108-AA02-DFA0A04FC94B}">
-                <ma14:wrappingTextBoxFlag xmlns:ma14="http://schemas.microsoft.com/office/mac/drawingml/2011/main" xmlns:a14="http://schemas.microsoft.com/office/drawing/2010/main" xmlns:m="http://schemas.openxmlformats.org/officeDocument/2006/math" xmlns="" val="1"/>
+                <ma14:wrappingTextBoxFlag xmlns="" xmlns:m="http://schemas.openxmlformats.org/officeDocument/2006/math" xmlns:a14="http://schemas.microsoft.com/office/drawing/2010/main" xmlns:ma14="http://schemas.microsoft.com/office/mac/drawingml/2011/main" val="1"/>
               </a:ext>
             </a:extLst>
           </p:spPr>
@@ -20843,7 +19677,7 @@
     <a:masterClrMapping/>
   </p:clrMapOvr>
   <mc:AlternateContent xmlns:mc="http://schemas.openxmlformats.org/markup-compatibility/2006">
-    <mc:Choice xmlns:p159="http://schemas.microsoft.com/office/powerpoint/2015/09/main" xmlns="" Requires="p159">
+    <mc:Choice xmlns="" xmlns:p159="http://schemas.microsoft.com/office/powerpoint/2015/09/main" Requires="p159">
       <p:transition xmlns:p14="http://schemas.microsoft.com/office/powerpoint/2010/main" spd="slow" p14:dur="2000">
         <p159:morph option="byObject"/>
       </p:transition>
@@ -20886,7 +19720,7 @@
           <p:cNvPr id="16" name="Título 1">
             <a:extLst>
               <a:ext uri="{FF2B5EF4-FFF2-40B4-BE49-F238E27FC236}">
-                <a16:creationId xmlns:a16="http://schemas.microsoft.com/office/drawing/2014/main" xmlns="" id="{D5FD1066-7FA1-9BF9-22F0-F52B6DDCD8D0}"/>
+                <a16:creationId xmlns="" xmlns:a16="http://schemas.microsoft.com/office/drawing/2014/main" id="{D5FD1066-7FA1-9BF9-22F0-F52B6DDCD8D0}"/>
               </a:ext>
             </a:extLst>
           </p:cNvPr>
@@ -20955,7 +19789,7 @@
           <p:cNvPr id="20" name="Table 3">
             <a:extLst>
               <a:ext uri="{FF2B5EF4-FFF2-40B4-BE49-F238E27FC236}">
-                <a16:creationId xmlns="" xmlns:a16="http://schemas.microsoft.com/office/drawing/2014/main" id="{422A8208-A563-A55B-5344-09BD741BE766}"/>
+                <a16:creationId xmlns:a16="http://schemas.microsoft.com/office/drawing/2014/main" xmlns="" id="{422A8208-A563-A55B-5344-09BD741BE766}"/>
               </a:ext>
             </a:extLst>
           </p:cNvPr>
@@ -20980,14 +19814,14 @@
                 <a:gridCol w="4517033">
                   <a:extLst>
                     <a:ext uri="{9D8B030D-6E8A-4147-A177-3AD203B41FA5}">
-                      <a16:colId xmlns="" xmlns:a16="http://schemas.microsoft.com/office/drawing/2014/main" val="3102874728"/>
+                      <a16:colId xmlns:a16="http://schemas.microsoft.com/office/drawing/2014/main" xmlns="" val="3102874728"/>
                     </a:ext>
                   </a:extLst>
                 </a:gridCol>
                 <a:gridCol w="4517033">
                   <a:extLst>
                     <a:ext uri="{9D8B030D-6E8A-4147-A177-3AD203B41FA5}">
-                      <a16:colId xmlns="" xmlns:a16="http://schemas.microsoft.com/office/drawing/2014/main" val="3824228278"/>
+                      <a16:colId xmlns:a16="http://schemas.microsoft.com/office/drawing/2014/main" xmlns="" val="3824228278"/>
                     </a:ext>
                   </a:extLst>
                 </a:gridCol>
@@ -21133,7 +19967,7 @@
                 </a:tc>
                 <a:extLst>
                   <a:ext uri="{0D108BD9-81ED-4DB2-BD59-A6C34878D82A}">
-                    <a16:rowId xmlns="" xmlns:a16="http://schemas.microsoft.com/office/drawing/2014/main" val="4006425940"/>
+                    <a16:rowId xmlns:a16="http://schemas.microsoft.com/office/drawing/2014/main" xmlns="" val="4006425940"/>
                   </a:ext>
                 </a:extLst>
               </a:tr>
@@ -21306,7 +20140,7 @@
                 </a:tc>
                 <a:extLst>
                   <a:ext uri="{0D108BD9-81ED-4DB2-BD59-A6C34878D82A}">
-                    <a16:rowId xmlns="" xmlns:a16="http://schemas.microsoft.com/office/drawing/2014/main" val="2195307831"/>
+                    <a16:rowId xmlns:a16="http://schemas.microsoft.com/office/drawing/2014/main" xmlns="" val="2195307831"/>
                   </a:ext>
                 </a:extLst>
               </a:tr>
@@ -21656,7 +20490,7 @@
                 </a:tc>
                 <a:extLst>
                   <a:ext uri="{0D108BD9-81ED-4DB2-BD59-A6C34878D82A}">
-                    <a16:rowId xmlns="" xmlns:a16="http://schemas.microsoft.com/office/drawing/2014/main" val="4228649827"/>
+                    <a16:rowId xmlns:a16="http://schemas.microsoft.com/office/drawing/2014/main" xmlns="" val="4228649827"/>
                   </a:ext>
                 </a:extLst>
               </a:tr>
@@ -21829,7 +20663,7 @@
                 </a:tc>
                 <a:extLst>
                   <a:ext uri="{0D108BD9-81ED-4DB2-BD59-A6C34878D82A}">
-                    <a16:rowId xmlns="" xmlns:a16="http://schemas.microsoft.com/office/drawing/2014/main" val="2880154858"/>
+                    <a16:rowId xmlns:a16="http://schemas.microsoft.com/office/drawing/2014/main" xmlns="" val="2880154858"/>
                   </a:ext>
                 </a:extLst>
               </a:tr>
@@ -22002,7 +20836,7 @@
                 </a:tc>
                 <a:extLst>
                   <a:ext uri="{0D108BD9-81ED-4DB2-BD59-A6C34878D82A}">
-                    <a16:rowId xmlns="" xmlns:a16="http://schemas.microsoft.com/office/drawing/2014/main" val="941017362"/>
+                    <a16:rowId xmlns:a16="http://schemas.microsoft.com/office/drawing/2014/main" xmlns="" val="941017362"/>
                   </a:ext>
                 </a:extLst>
               </a:tr>
@@ -22175,7 +21009,7 @@
                 </a:tc>
                 <a:extLst>
                   <a:ext uri="{0D108BD9-81ED-4DB2-BD59-A6C34878D82A}">
-                    <a16:rowId xmlns="" xmlns:a16="http://schemas.microsoft.com/office/drawing/2014/main" val="762319770"/>
+                    <a16:rowId xmlns:a16="http://schemas.microsoft.com/office/drawing/2014/main" xmlns="" val="762319770"/>
                   </a:ext>
                 </a:extLst>
               </a:tr>
@@ -22188,7 +21022,7 @@
           <p:cNvPr id="28" name="Rectángulo redondeado 8">
             <a:extLst>
               <a:ext uri="{FF2B5EF4-FFF2-40B4-BE49-F238E27FC236}">
-                <a16:creationId xmlns="" xmlns:a16="http://schemas.microsoft.com/office/drawing/2014/main" id="{277BA7B5-969F-97FA-876B-9353DE62E89F}"/>
+                <a16:creationId xmlns:a16="http://schemas.microsoft.com/office/drawing/2014/main" xmlns="" id="{277BA7B5-969F-97FA-876B-9353DE62E89F}"/>
               </a:ext>
             </a:extLst>
           </p:cNvPr>
@@ -22242,7 +21076,7 @@
           <p:cNvPr id="30" name="Rectangle 68">
             <a:extLst>
               <a:ext uri="{FF2B5EF4-FFF2-40B4-BE49-F238E27FC236}">
-                <a16:creationId xmlns="" xmlns:a16="http://schemas.microsoft.com/office/drawing/2014/main" id="{2E170935-075B-E9F1-39F5-718251B4ECCC}"/>
+                <a16:creationId xmlns:a16="http://schemas.microsoft.com/office/drawing/2014/main" xmlns="" id="{2E170935-075B-E9F1-39F5-718251B4ECCC}"/>
               </a:ext>
             </a:extLst>
           </p:cNvPr>
@@ -22288,7 +21122,7 @@
           <p:cNvPr id="34" name="Rectangle 68">
             <a:extLst>
               <a:ext uri="{FF2B5EF4-FFF2-40B4-BE49-F238E27FC236}">
-                <a16:creationId xmlns="" xmlns:a16="http://schemas.microsoft.com/office/drawing/2014/main" id="{2E170935-075B-E9F1-39F5-718251B4ECCC}"/>
+                <a16:creationId xmlns:a16="http://schemas.microsoft.com/office/drawing/2014/main" xmlns="" id="{2E170935-075B-E9F1-39F5-718251B4ECCC}"/>
               </a:ext>
             </a:extLst>
           </p:cNvPr>
@@ -22348,7 +21182,7 @@
     <a:masterClrMapping/>
   </p:clrMapOvr>
   <mc:AlternateContent xmlns:mc="http://schemas.openxmlformats.org/markup-compatibility/2006">
-    <mc:Choice xmlns:p159="http://schemas.microsoft.com/office/powerpoint/2015/09/main" xmlns="" Requires="p159">
+    <mc:Choice xmlns="" xmlns:p159="http://schemas.microsoft.com/office/powerpoint/2015/09/main" Requires="p159">
       <p:transition xmlns:p14="http://schemas.microsoft.com/office/powerpoint/2010/main" spd="slow" p14:dur="2000">
         <p159:morph option="byObject"/>
       </p:transition>
@@ -22362,136 +21196,9 @@
   <p:timing>
     <p:tnLst>
       <p:par>
-        <p:cTn id="1" dur="indefinite" restart="never" nodeType="tmRoot">
-          <p:childTnLst>
-            <p:seq concurrent="1" nextAc="seek">
-              <p:cTn id="2" dur="indefinite" nodeType="mainSeq">
-                <p:childTnLst>
-                  <p:par>
-                    <p:cTn id="3" fill="hold">
-                      <p:stCondLst>
-                        <p:cond delay="indefinite"/>
-                        <p:cond evt="onBegin" delay="0">
-                          <p:tn val="2"/>
-                        </p:cond>
-                      </p:stCondLst>
-                      <p:childTnLst>
-                        <p:par>
-                          <p:cTn id="4" fill="hold">
-                            <p:stCondLst>
-                              <p:cond delay="0"/>
-                            </p:stCondLst>
-                            <p:childTnLst>
-                              <p:par>
-                                <p:cTn id="5" presetID="22" presetClass="entr" presetSubtype="8" fill="hold" grpId="0" nodeType="afterEffect">
-                                  <p:stCondLst>
-                                    <p:cond delay="0"/>
-                                  </p:stCondLst>
-                                  <p:childTnLst>
-                                    <p:set>
-                                      <p:cBhvr>
-                                        <p:cTn id="6" dur="1" fill="hold">
-                                          <p:stCondLst>
-                                            <p:cond delay="0"/>
-                                          </p:stCondLst>
-                                        </p:cTn>
-                                        <p:tgtEl>
-                                          <p:spTgt spid="30"/>
-                                        </p:tgtEl>
-                                        <p:attrNameLst>
-                                          <p:attrName>style.visibility</p:attrName>
-                                        </p:attrNameLst>
-                                      </p:cBhvr>
-                                      <p:to>
-                                        <p:strVal val="visible"/>
-                                      </p:to>
-                                    </p:set>
-                                    <p:animEffect transition="in" filter="wipe(left)">
-                                      <p:cBhvr>
-                                        <p:cTn id="7" dur="500"/>
-                                        <p:tgtEl>
-                                          <p:spTgt spid="30"/>
-                                        </p:tgtEl>
-                                      </p:cBhvr>
-                                    </p:animEffect>
-                                  </p:childTnLst>
-                                </p:cTn>
-                              </p:par>
-                            </p:childTnLst>
-                          </p:cTn>
-                        </p:par>
-                        <p:par>
-                          <p:cTn id="8" fill="hold">
-                            <p:stCondLst>
-                              <p:cond delay="500"/>
-                            </p:stCondLst>
-                            <p:childTnLst>
-                              <p:par>
-                                <p:cTn id="9" presetID="22" presetClass="entr" presetSubtype="8" fill="hold" grpId="0" nodeType="afterEffect">
-                                  <p:stCondLst>
-                                    <p:cond delay="0"/>
-                                  </p:stCondLst>
-                                  <p:childTnLst>
-                                    <p:set>
-                                      <p:cBhvr>
-                                        <p:cTn id="10" dur="1" fill="hold">
-                                          <p:stCondLst>
-                                            <p:cond delay="0"/>
-                                          </p:stCondLst>
-                                        </p:cTn>
-                                        <p:tgtEl>
-                                          <p:spTgt spid="34"/>
-                                        </p:tgtEl>
-                                        <p:attrNameLst>
-                                          <p:attrName>style.visibility</p:attrName>
-                                        </p:attrNameLst>
-                                      </p:cBhvr>
-                                      <p:to>
-                                        <p:strVal val="visible"/>
-                                      </p:to>
-                                    </p:set>
-                                    <p:animEffect transition="in" filter="wipe(left)">
-                                      <p:cBhvr>
-                                        <p:cTn id="11" dur="500"/>
-                                        <p:tgtEl>
-                                          <p:spTgt spid="34"/>
-                                        </p:tgtEl>
-                                      </p:cBhvr>
-                                    </p:animEffect>
-                                  </p:childTnLst>
-                                </p:cTn>
-                              </p:par>
-                            </p:childTnLst>
-                          </p:cTn>
-                        </p:par>
-                      </p:childTnLst>
-                    </p:cTn>
-                  </p:par>
-                </p:childTnLst>
-              </p:cTn>
-              <p:prevCondLst>
-                <p:cond evt="onPrev" delay="0">
-                  <p:tgtEl>
-                    <p:sldTgt/>
-                  </p:tgtEl>
-                </p:cond>
-              </p:prevCondLst>
-              <p:nextCondLst>
-                <p:cond evt="onNext" delay="0">
-                  <p:tgtEl>
-                    <p:sldTgt/>
-                  </p:tgtEl>
-                </p:cond>
-              </p:nextCondLst>
-            </p:seq>
-          </p:childTnLst>
-        </p:cTn>
+        <p:cTn id="1" dur="indefinite" restart="never" nodeType="tmRoot"/>
       </p:par>
     </p:tnLst>
-    <p:bldLst>
-      <p:bldP spid="30" grpId="0"/>
-      <p:bldP spid="34" grpId="0"/>
-    </p:bldLst>
   </p:timing>
 </p:sld>
 </file>
@@ -22518,7 +21225,7 @@
           <p:cNvPr id="16" name="Título 1">
             <a:extLst>
               <a:ext uri="{FF2B5EF4-FFF2-40B4-BE49-F238E27FC236}">
-                <a16:creationId xmlns:a16="http://schemas.microsoft.com/office/drawing/2014/main" xmlns="" id="{D5FD1066-7FA1-9BF9-22F0-F52B6DDCD8D0}"/>
+                <a16:creationId xmlns="" xmlns:a16="http://schemas.microsoft.com/office/drawing/2014/main" id="{D5FD1066-7FA1-9BF9-22F0-F52B6DDCD8D0}"/>
               </a:ext>
             </a:extLst>
           </p:cNvPr>
@@ -22580,7 +21287,7 @@
           <p:cNvPr id="28" name="Rectángulo redondeado 8">
             <a:extLst>
               <a:ext uri="{FF2B5EF4-FFF2-40B4-BE49-F238E27FC236}">
-                <a16:creationId xmlns="" xmlns:a16="http://schemas.microsoft.com/office/drawing/2014/main" id="{277BA7B5-969F-97FA-876B-9353DE62E89F}"/>
+                <a16:creationId xmlns:a16="http://schemas.microsoft.com/office/drawing/2014/main" xmlns="" id="{277BA7B5-969F-97FA-876B-9353DE62E89F}"/>
               </a:ext>
             </a:extLst>
           </p:cNvPr>
@@ -22634,7 +21341,7 @@
           <p:cNvPr id="30" name="Rectangle 68">
             <a:extLst>
               <a:ext uri="{FF2B5EF4-FFF2-40B4-BE49-F238E27FC236}">
-                <a16:creationId xmlns="" xmlns:a16="http://schemas.microsoft.com/office/drawing/2014/main" id="{2E170935-075B-E9F1-39F5-718251B4ECCC}"/>
+                <a16:creationId xmlns:a16="http://schemas.microsoft.com/office/drawing/2014/main" xmlns="" id="{2E170935-075B-E9F1-39F5-718251B4ECCC}"/>
               </a:ext>
             </a:extLst>
           </p:cNvPr>
@@ -22713,7 +21420,7 @@
           <p:cNvPr id="7" name="Table 3">
             <a:extLst>
               <a:ext uri="{FF2B5EF4-FFF2-40B4-BE49-F238E27FC236}">
-                <a16:creationId xmlns="" xmlns:a16="http://schemas.microsoft.com/office/drawing/2014/main" id="{422A8208-A563-A55B-5344-09BD741BE766}"/>
+                <a16:creationId xmlns:a16="http://schemas.microsoft.com/office/drawing/2014/main" xmlns="" id="{422A8208-A563-A55B-5344-09BD741BE766}"/>
               </a:ext>
             </a:extLst>
           </p:cNvPr>
@@ -22742,14 +21449,14 @@
                 <a:gridCol w="4517033">
                   <a:extLst>
                     <a:ext uri="{9D8B030D-6E8A-4147-A177-3AD203B41FA5}">
-                      <a16:colId xmlns="" xmlns:a16="http://schemas.microsoft.com/office/drawing/2014/main" val="3102874728"/>
+                      <a16:colId xmlns:a16="http://schemas.microsoft.com/office/drawing/2014/main" xmlns="" val="3102874728"/>
                     </a:ext>
                   </a:extLst>
                 </a:gridCol>
                 <a:gridCol w="4517033">
                   <a:extLst>
                     <a:ext uri="{9D8B030D-6E8A-4147-A177-3AD203B41FA5}">
-                      <a16:colId xmlns="" xmlns:a16="http://schemas.microsoft.com/office/drawing/2014/main" val="3824228278"/>
+                      <a16:colId xmlns:a16="http://schemas.microsoft.com/office/drawing/2014/main" xmlns="" val="3824228278"/>
                     </a:ext>
                   </a:extLst>
                 </a:gridCol>
@@ -22906,7 +21613,7 @@
                 </a:tc>
                 <a:extLst>
                   <a:ext uri="{0D108BD9-81ED-4DB2-BD59-A6C34878D82A}">
-                    <a16:rowId xmlns="" xmlns:a16="http://schemas.microsoft.com/office/drawing/2014/main" val="4006425940"/>
+                    <a16:rowId xmlns:a16="http://schemas.microsoft.com/office/drawing/2014/main" xmlns="" val="4006425940"/>
                   </a:ext>
                 </a:extLst>
               </a:tr>
@@ -23079,7 +21786,7 @@
                 </a:tc>
                 <a:extLst>
                   <a:ext uri="{0D108BD9-81ED-4DB2-BD59-A6C34878D82A}">
-                    <a16:rowId xmlns="" xmlns:a16="http://schemas.microsoft.com/office/drawing/2014/main" val="2195307831"/>
+                    <a16:rowId xmlns:a16="http://schemas.microsoft.com/office/drawing/2014/main" xmlns="" val="2195307831"/>
                   </a:ext>
                 </a:extLst>
               </a:tr>
@@ -23429,7 +22136,7 @@
                 </a:tc>
                 <a:extLst>
                   <a:ext uri="{0D108BD9-81ED-4DB2-BD59-A6C34878D82A}">
-                    <a16:rowId xmlns="" xmlns:a16="http://schemas.microsoft.com/office/drawing/2014/main" val="4228649827"/>
+                    <a16:rowId xmlns:a16="http://schemas.microsoft.com/office/drawing/2014/main" xmlns="" val="4228649827"/>
                   </a:ext>
                 </a:extLst>
               </a:tr>
@@ -23611,7 +22318,7 @@
                 </a:tc>
                 <a:extLst>
                   <a:ext uri="{0D108BD9-81ED-4DB2-BD59-A6C34878D82A}">
-                    <a16:rowId xmlns="" xmlns:a16="http://schemas.microsoft.com/office/drawing/2014/main" val="2880154858"/>
+                    <a16:rowId xmlns:a16="http://schemas.microsoft.com/office/drawing/2014/main" xmlns="" val="2880154858"/>
                   </a:ext>
                 </a:extLst>
               </a:tr>
@@ -23784,7 +22491,7 @@
                 </a:tc>
                 <a:extLst>
                   <a:ext uri="{0D108BD9-81ED-4DB2-BD59-A6C34878D82A}">
-                    <a16:rowId xmlns="" xmlns:a16="http://schemas.microsoft.com/office/drawing/2014/main" val="941017362"/>
+                    <a16:rowId xmlns:a16="http://schemas.microsoft.com/office/drawing/2014/main" xmlns="" val="941017362"/>
                   </a:ext>
                 </a:extLst>
               </a:tr>
@@ -23803,7 +22510,7 @@
     <a:masterClrMapping/>
   </p:clrMapOvr>
   <mc:AlternateContent xmlns:mc="http://schemas.openxmlformats.org/markup-compatibility/2006">
-    <mc:Choice xmlns:p159="http://schemas.microsoft.com/office/powerpoint/2015/09/main" xmlns="" Requires="p159">
+    <mc:Choice xmlns="" xmlns:p159="http://schemas.microsoft.com/office/powerpoint/2015/09/main" Requires="p159">
       <p:transition xmlns:p14="http://schemas.microsoft.com/office/powerpoint/2010/main" spd="slow" p14:dur="2000">
         <p159:morph option="byObject"/>
       </p:transition>
@@ -23817,91 +22524,9 @@
   <p:timing>
     <p:tnLst>
       <p:par>
-        <p:cTn id="1" dur="indefinite" restart="never" nodeType="tmRoot">
-          <p:childTnLst>
-            <p:seq concurrent="1" nextAc="seek">
-              <p:cTn id="2" dur="indefinite" nodeType="mainSeq">
-                <p:childTnLst>
-                  <p:par>
-                    <p:cTn id="3" fill="hold">
-                      <p:stCondLst>
-                        <p:cond delay="indefinite"/>
-                        <p:cond evt="onBegin" delay="0">
-                          <p:tn val="2"/>
-                        </p:cond>
-                      </p:stCondLst>
-                      <p:childTnLst>
-                        <p:par>
-                          <p:cTn id="4" fill="hold">
-                            <p:stCondLst>
-                              <p:cond delay="0"/>
-                            </p:stCondLst>
-                            <p:childTnLst>
-                              <p:par>
-                                <p:cTn id="5" presetID="22" presetClass="entr" presetSubtype="8" fill="hold" grpId="0" nodeType="afterEffect">
-                                  <p:stCondLst>
-                                    <p:cond delay="0"/>
-                                  </p:stCondLst>
-                                  <p:childTnLst>
-                                    <p:set>
-                                      <p:cBhvr>
-                                        <p:cTn id="6" dur="1" fill="hold">
-                                          <p:stCondLst>
-                                            <p:cond delay="0"/>
-                                          </p:stCondLst>
-                                        </p:cTn>
-                                        <p:tgtEl>
-                                          <p:spTgt spid="30"/>
-                                        </p:tgtEl>
-                                        <p:attrNameLst>
-                                          <p:attrName>style.visibility</p:attrName>
-                                        </p:attrNameLst>
-                                      </p:cBhvr>
-                                      <p:to>
-                                        <p:strVal val="visible"/>
-                                      </p:to>
-                                    </p:set>
-                                    <p:animEffect transition="in" filter="wipe(left)">
-                                      <p:cBhvr>
-                                        <p:cTn id="7" dur="500"/>
-                                        <p:tgtEl>
-                                          <p:spTgt spid="30"/>
-                                        </p:tgtEl>
-                                      </p:cBhvr>
-                                    </p:animEffect>
-                                  </p:childTnLst>
-                                </p:cTn>
-                              </p:par>
-                            </p:childTnLst>
-                          </p:cTn>
-                        </p:par>
-                      </p:childTnLst>
-                    </p:cTn>
-                  </p:par>
-                </p:childTnLst>
-              </p:cTn>
-              <p:prevCondLst>
-                <p:cond evt="onPrev" delay="0">
-                  <p:tgtEl>
-                    <p:sldTgt/>
-                  </p:tgtEl>
-                </p:cond>
-              </p:prevCondLst>
-              <p:nextCondLst>
-                <p:cond evt="onNext" delay="0">
-                  <p:tgtEl>
-                    <p:sldTgt/>
-                  </p:tgtEl>
-                </p:cond>
-              </p:nextCondLst>
-            </p:seq>
-          </p:childTnLst>
-        </p:cTn>
+        <p:cTn id="1" dur="indefinite" restart="never" nodeType="tmRoot"/>
       </p:par>
     </p:tnLst>
-    <p:bldLst>
-      <p:bldP spid="30" grpId="0"/>
-    </p:bldLst>
   </p:timing>
 </p:sld>
 </file>
@@ -23928,7 +22553,7 @@
           <p:cNvPr id="16" name="Título 1">
             <a:extLst>
               <a:ext uri="{FF2B5EF4-FFF2-40B4-BE49-F238E27FC236}">
-                <a16:creationId xmlns:a16="http://schemas.microsoft.com/office/drawing/2014/main" xmlns="" id="{D5FD1066-7FA1-9BF9-22F0-F52B6DDCD8D0}"/>
+                <a16:creationId xmlns="" xmlns:a16="http://schemas.microsoft.com/office/drawing/2014/main" id="{D5FD1066-7FA1-9BF9-22F0-F52B6DDCD8D0}"/>
               </a:ext>
             </a:extLst>
           </p:cNvPr>
@@ -23959,14 +22584,6 @@
               </a:rPr>
               <a:t>Ejemplo</a:t>
             </a:r>
-            <a:r>
-              <a:rPr lang="es-MX">
-                <a:solidFill>
-                  <a:srgbClr val="C228B4"/>
-                </a:solidFill>
-              </a:rPr>
-              <a:t/>
-            </a:r>
             <a:br>
               <a:rPr lang="es-MX">
                 <a:solidFill>
@@ -23988,15 +22605,7 @@
                   <a:srgbClr val="C228B4"/>
                 </a:solidFill>
               </a:rPr>
-              <a:t>Conteo de </a:t>
-            </a:r>
-            <a:r>
-              <a:rPr lang="es-MX">
-                <a:solidFill>
-                  <a:srgbClr val="C228B4"/>
-                </a:solidFill>
-              </a:rPr>
-              <a:t>Ocurrencias </a:t>
+              <a:t>Conteo de Ocurrencias </a:t>
             </a:r>
             <a:r>
               <a:rPr lang="es-MX" smtClean="0">
@@ -24022,7 +22631,7 @@
           <p:cNvPr id="28" name="Rectángulo redondeado 8">
             <a:extLst>
               <a:ext uri="{FF2B5EF4-FFF2-40B4-BE49-F238E27FC236}">
-                <a16:creationId xmlns="" xmlns:a16="http://schemas.microsoft.com/office/drawing/2014/main" id="{277BA7B5-969F-97FA-876B-9353DE62E89F}"/>
+                <a16:creationId xmlns:a16="http://schemas.microsoft.com/office/drawing/2014/main" xmlns="" id="{277BA7B5-969F-97FA-876B-9353DE62E89F}"/>
               </a:ext>
             </a:extLst>
           </p:cNvPr>
@@ -24076,7 +22685,7 @@
           <p:cNvPr id="30" name="Rectangle 68">
             <a:extLst>
               <a:ext uri="{FF2B5EF4-FFF2-40B4-BE49-F238E27FC236}">
-                <a16:creationId xmlns="" xmlns:a16="http://schemas.microsoft.com/office/drawing/2014/main" id="{2E170935-075B-E9F1-39F5-718251B4ECCC}"/>
+                <a16:creationId xmlns:a16="http://schemas.microsoft.com/office/drawing/2014/main" xmlns="" id="{2E170935-075B-E9F1-39F5-718251B4ECCC}"/>
               </a:ext>
             </a:extLst>
           </p:cNvPr>
@@ -24155,7 +22764,7 @@
           <p:cNvPr id="6" name="Table 3">
             <a:extLst>
               <a:ext uri="{FF2B5EF4-FFF2-40B4-BE49-F238E27FC236}">
-                <a16:creationId xmlns="" xmlns:a16="http://schemas.microsoft.com/office/drawing/2014/main" id="{422A8208-A563-A55B-5344-09BD741BE766}"/>
+                <a16:creationId xmlns:a16="http://schemas.microsoft.com/office/drawing/2014/main" xmlns="" id="{422A8208-A563-A55B-5344-09BD741BE766}"/>
               </a:ext>
             </a:extLst>
           </p:cNvPr>
@@ -24184,14 +22793,14 @@
                 <a:gridCol w="4517033">
                   <a:extLst>
                     <a:ext uri="{9D8B030D-6E8A-4147-A177-3AD203B41FA5}">
-                      <a16:colId xmlns="" xmlns:a16="http://schemas.microsoft.com/office/drawing/2014/main" val="3102874728"/>
+                      <a16:colId xmlns:a16="http://schemas.microsoft.com/office/drawing/2014/main" xmlns="" val="3102874728"/>
                     </a:ext>
                   </a:extLst>
                 </a:gridCol>
                 <a:gridCol w="4517033">
                   <a:extLst>
                     <a:ext uri="{9D8B030D-6E8A-4147-A177-3AD203B41FA5}">
-                      <a16:colId xmlns="" xmlns:a16="http://schemas.microsoft.com/office/drawing/2014/main" val="3824228278"/>
+                      <a16:colId xmlns:a16="http://schemas.microsoft.com/office/drawing/2014/main" xmlns="" val="3824228278"/>
                     </a:ext>
                   </a:extLst>
                 </a:gridCol>
@@ -24337,7 +22946,7 @@
                 </a:tc>
                 <a:extLst>
                   <a:ext uri="{0D108BD9-81ED-4DB2-BD59-A6C34878D82A}">
-                    <a16:rowId xmlns="" xmlns:a16="http://schemas.microsoft.com/office/drawing/2014/main" val="4006425940"/>
+                    <a16:rowId xmlns:a16="http://schemas.microsoft.com/office/drawing/2014/main" xmlns="" val="4006425940"/>
                   </a:ext>
                 </a:extLst>
               </a:tr>
@@ -24519,7 +23128,7 @@
                 </a:tc>
                 <a:extLst>
                   <a:ext uri="{0D108BD9-81ED-4DB2-BD59-A6C34878D82A}">
-                    <a16:rowId xmlns="" xmlns:a16="http://schemas.microsoft.com/office/drawing/2014/main" val="2195307831"/>
+                    <a16:rowId xmlns:a16="http://schemas.microsoft.com/office/drawing/2014/main" xmlns="" val="2195307831"/>
                   </a:ext>
                 </a:extLst>
               </a:tr>
@@ -24869,7 +23478,7 @@
                 </a:tc>
                 <a:extLst>
                   <a:ext uri="{0D108BD9-81ED-4DB2-BD59-A6C34878D82A}">
-                    <a16:rowId xmlns="" xmlns:a16="http://schemas.microsoft.com/office/drawing/2014/main" val="4228649827"/>
+                    <a16:rowId xmlns:a16="http://schemas.microsoft.com/office/drawing/2014/main" xmlns="" val="4228649827"/>
                   </a:ext>
                 </a:extLst>
               </a:tr>
@@ -25219,7 +23828,7 @@
                 </a:tc>
                 <a:extLst>
                   <a:ext uri="{0D108BD9-81ED-4DB2-BD59-A6C34878D82A}">
-                    <a16:rowId xmlns="" xmlns:a16="http://schemas.microsoft.com/office/drawing/2014/main" val="941017362"/>
+                    <a16:rowId xmlns:a16="http://schemas.microsoft.com/office/drawing/2014/main" xmlns="" val="941017362"/>
                   </a:ext>
                 </a:extLst>
               </a:tr>
@@ -26078,7 +24687,7 @@
     <a:masterClrMapping/>
   </p:clrMapOvr>
   <mc:AlternateContent xmlns:mc="http://schemas.openxmlformats.org/markup-compatibility/2006">
-    <mc:Choice xmlns:p159="http://schemas.microsoft.com/office/powerpoint/2015/09/main" xmlns="" Requires="p159">
+    <mc:Choice xmlns="" xmlns:p159="http://schemas.microsoft.com/office/powerpoint/2015/09/main" Requires="p159">
       <p:transition xmlns:p14="http://schemas.microsoft.com/office/powerpoint/2010/main" spd="slow" p14:dur="2000">
         <p159:morph option="byObject"/>
       </p:transition>
@@ -26092,91 +24701,9 @@
   <p:timing>
     <p:tnLst>
       <p:par>
-        <p:cTn id="1" dur="indefinite" restart="never" nodeType="tmRoot">
-          <p:childTnLst>
-            <p:seq concurrent="1" nextAc="seek">
-              <p:cTn id="2" dur="indefinite" nodeType="mainSeq">
-                <p:childTnLst>
-                  <p:par>
-                    <p:cTn id="3" fill="hold">
-                      <p:stCondLst>
-                        <p:cond delay="indefinite"/>
-                        <p:cond evt="onBegin" delay="0">
-                          <p:tn val="2"/>
-                        </p:cond>
-                      </p:stCondLst>
-                      <p:childTnLst>
-                        <p:par>
-                          <p:cTn id="4" fill="hold">
-                            <p:stCondLst>
-                              <p:cond delay="0"/>
-                            </p:stCondLst>
-                            <p:childTnLst>
-                              <p:par>
-                                <p:cTn id="5" presetID="22" presetClass="entr" presetSubtype="8" fill="hold" grpId="0" nodeType="afterEffect">
-                                  <p:stCondLst>
-                                    <p:cond delay="0"/>
-                                  </p:stCondLst>
-                                  <p:childTnLst>
-                                    <p:set>
-                                      <p:cBhvr>
-                                        <p:cTn id="6" dur="1" fill="hold">
-                                          <p:stCondLst>
-                                            <p:cond delay="0"/>
-                                          </p:stCondLst>
-                                        </p:cTn>
-                                        <p:tgtEl>
-                                          <p:spTgt spid="30"/>
-                                        </p:tgtEl>
-                                        <p:attrNameLst>
-                                          <p:attrName>style.visibility</p:attrName>
-                                        </p:attrNameLst>
-                                      </p:cBhvr>
-                                      <p:to>
-                                        <p:strVal val="visible"/>
-                                      </p:to>
-                                    </p:set>
-                                    <p:animEffect transition="in" filter="wipe(left)">
-                                      <p:cBhvr>
-                                        <p:cTn id="7" dur="500"/>
-                                        <p:tgtEl>
-                                          <p:spTgt spid="30"/>
-                                        </p:tgtEl>
-                                      </p:cBhvr>
-                                    </p:animEffect>
-                                  </p:childTnLst>
-                                </p:cTn>
-                              </p:par>
-                            </p:childTnLst>
-                          </p:cTn>
-                        </p:par>
-                      </p:childTnLst>
-                    </p:cTn>
-                  </p:par>
-                </p:childTnLst>
-              </p:cTn>
-              <p:prevCondLst>
-                <p:cond evt="onPrev" delay="0">
-                  <p:tgtEl>
-                    <p:sldTgt/>
-                  </p:tgtEl>
-                </p:cond>
-              </p:prevCondLst>
-              <p:nextCondLst>
-                <p:cond evt="onNext" delay="0">
-                  <p:tgtEl>
-                    <p:sldTgt/>
-                  </p:tgtEl>
-                </p:cond>
-              </p:nextCondLst>
-            </p:seq>
-          </p:childTnLst>
-        </p:cTn>
+        <p:cTn id="1" dur="indefinite" restart="never" nodeType="tmRoot"/>
       </p:par>
     </p:tnLst>
-    <p:bldLst>
-      <p:bldP spid="30" grpId="0"/>
-    </p:bldLst>
   </p:timing>
 </p:sld>
 </file>
@@ -26845,20 +25372,6 @@
 </file>
 
 <file path=customXml/item2.xml><?xml version="1.0" encoding="utf-8"?>
-<?mso-contentType ?>
-<spe:Receivers xmlns:spe="http://schemas.microsoft.com/sharepoint/events"/>
-</file>
-
-<file path=customXml/item3.xml><?xml version="1.0" encoding="utf-8"?>
-<?mso-contentType ?>
-<FormTemplates xmlns="http://schemas.microsoft.com/sharepoint/v3/contenttype/forms">
-  <Display>DocumentLibraryForm</Display>
-  <Edit>DocumentLibraryForm</Edit>
-  <New>DocumentLibraryForm</New>
-</FormTemplates>
-</file>
-
-<file path=customXml/item4.xml><?xml version="1.0" encoding="utf-8"?>
 <ct:contentTypeSchema xmlns:ct="http://schemas.microsoft.com/office/2006/metadata/contentType" xmlns:ma="http://schemas.microsoft.com/office/2006/metadata/properties/metaAttributes" ct:_="" ma:_="" ma:contentTypeName="Documento CentralAxity" ma:contentTypeID="0x0101005A854A2E6B3FC44BBB7F26F86BC45764002E846109D8A79B4CB1EC976CD11B6E35" ma:contentTypeVersion="50" ma:contentTypeDescription="Documento incorporado a las directivas de la CentralAxity" ma:contentTypeScope="" ma:versionID="597f588e411d17887b088d4f21d28ad0">
   <xsd:schema xmlns:xsd="http://www.w3.org/2001/XMLSchema" xmlns:xs="http://www.w3.org/2001/XMLSchema" xmlns:p="http://schemas.microsoft.com/office/2006/metadata/properties" xmlns:ns1="http://schemas.microsoft.com/sharepoint/v3" xmlns:ns2="0d112806-a571-4b5c-9687-83175e2be7e0" xmlns:ns3="5715b14d-6155-4883-b773-4a6f0b526cee" xmlns:ns4="494b7d94-68f9-41b0-9fd8-f8ea6ae98d38" targetNamespace="http://schemas.microsoft.com/office/2006/metadata/properties" ma:root="true" ma:fieldsID="02c9543a257ef598f71b0847a18c2884" ns1:_="" ns2:_="" ns3:_="" ns4:_="">
     <xsd:import namespace="http://schemas.microsoft.com/sharepoint/v3"/>
@@ -27189,6 +25702,20 @@
 </ct:contentTypeSchema>
 </file>
 
+<file path=customXml/item3.xml><?xml version="1.0" encoding="utf-8"?>
+<?mso-contentType ?>
+<FormTemplates xmlns="http://schemas.microsoft.com/sharepoint/v3/contenttype/forms">
+  <Display>DocumentLibraryForm</Display>
+  <Edit>DocumentLibraryForm</Edit>
+  <New>DocumentLibraryForm</New>
+</FormTemplates>
+</file>
+
+<file path=customXml/item4.xml><?xml version="1.0" encoding="utf-8"?>
+<?mso-contentType ?>
+<spe:Receivers xmlns:spe="http://schemas.microsoft.com/sharepoint/events"/>
+</file>
+
 <file path=customXml/itemProps1.xml><?xml version="1.0" encoding="utf-8"?>
 <ds:datastoreItem xmlns:ds="http://schemas.openxmlformats.org/officeDocument/2006/customXml" ds:itemID="{2D0DF8DB-B03C-4353-B44A-DA8E261EF087}">
   <ds:schemaRefs>
@@ -27209,22 +25736,6 @@
 </file>
 
 <file path=customXml/itemProps2.xml><?xml version="1.0" encoding="utf-8"?>
-<ds:datastoreItem xmlns:ds="http://schemas.openxmlformats.org/officeDocument/2006/customXml" ds:itemID="{4715E428-4D5D-44BE-8CDF-D0767275E30E}">
-  <ds:schemaRefs>
-    <ds:schemaRef ds:uri="http://schemas.microsoft.com/sharepoint/events"/>
-  </ds:schemaRefs>
-</ds:datastoreItem>
-</file>
-
-<file path=customXml/itemProps3.xml><?xml version="1.0" encoding="utf-8"?>
-<ds:datastoreItem xmlns:ds="http://schemas.openxmlformats.org/officeDocument/2006/customXml" ds:itemID="{E35C8FFE-5946-45D2-8509-5F55C5B9ED1B}">
-  <ds:schemaRefs>
-    <ds:schemaRef ds:uri="http://schemas.microsoft.com/sharepoint/v3/contenttype/forms"/>
-  </ds:schemaRefs>
-</ds:datastoreItem>
-</file>
-
-<file path=customXml/itemProps4.xml><?xml version="1.0" encoding="utf-8"?>
 <ds:datastoreItem xmlns:ds="http://schemas.openxmlformats.org/officeDocument/2006/customXml" ds:itemID="{F691990F-56CB-48C0-A899-B2AAEA1FE2B5}">
   <ds:schemaRefs>
     <ds:schemaRef ds:uri="http://schemas.microsoft.com/office/2006/metadata/contentType"/>
@@ -27243,4 +25754,20 @@
     <ds:schemaRef ds:uri="http://schemas.microsoft.com/internal/obd"/>
   </ds:schemaRefs>
 </ds:datastoreItem>
+</file>
+
+<file path=customXml/itemProps3.xml><?xml version="1.0" encoding="utf-8"?>
+<ds:datastoreItem xmlns:ds="http://schemas.openxmlformats.org/officeDocument/2006/customXml" ds:itemID="{E35C8FFE-5946-45D2-8509-5F55C5B9ED1B}">
+  <ds:schemaRefs>
+    <ds:schemaRef ds:uri="http://schemas.microsoft.com/sharepoint/v3/contenttype/forms"/>
+  </ds:schemaRefs>
+</ds:datastoreItem>
+</file>
+
+<file path=customXml/itemProps4.xml><?xml version="1.0" encoding="utf-8"?>
+<ds:datastoreItem xmlns:ds="http://schemas.openxmlformats.org/officeDocument/2006/customXml" ds:itemID="{4715E428-4D5D-44BE-8CDF-D0767275E30E}">
+  <ds:schemaRefs>
+    <ds:schemaRef ds:uri="http://schemas.microsoft.com/sharepoint/events"/>
+  </ds:schemaRefs>
+</ds:datastoreItem>
 </file>